--- a/Multi-Threaded_File_Server.pptx
+++ b/Multi-Threaded_File_Server.pptx
@@ -17,21 +17,21 @@
     <p:sldId id="549" r:id="rId11"/>
     <p:sldId id="551" r:id="rId12"/>
     <p:sldId id="552" r:id="rId13"/>
-    <p:sldId id="553" r:id="rId14"/>
-    <p:sldId id="555" r:id="rId15"/>
-    <p:sldId id="554" r:id="rId16"/>
-    <p:sldId id="559" r:id="rId17"/>
-    <p:sldId id="560" r:id="rId18"/>
-    <p:sldId id="561" r:id="rId19"/>
-    <p:sldId id="562" r:id="rId20"/>
-    <p:sldId id="563" r:id="rId21"/>
-    <p:sldId id="564" r:id="rId22"/>
-    <p:sldId id="556" r:id="rId23"/>
-    <p:sldId id="557" r:id="rId24"/>
-    <p:sldId id="558" r:id="rId25"/>
-    <p:sldId id="550" r:id="rId26"/>
-    <p:sldId id="565" r:id="rId27"/>
-    <p:sldId id="537" r:id="rId28"/>
+    <p:sldId id="566" r:id="rId14"/>
+    <p:sldId id="553" r:id="rId15"/>
+    <p:sldId id="555" r:id="rId16"/>
+    <p:sldId id="554" r:id="rId17"/>
+    <p:sldId id="559" r:id="rId18"/>
+    <p:sldId id="560" r:id="rId19"/>
+    <p:sldId id="561" r:id="rId20"/>
+    <p:sldId id="562" r:id="rId21"/>
+    <p:sldId id="563" r:id="rId22"/>
+    <p:sldId id="564" r:id="rId23"/>
+    <p:sldId id="556" r:id="rId24"/>
+    <p:sldId id="557" r:id="rId25"/>
+    <p:sldId id="558" r:id="rId26"/>
+    <p:sldId id="550" r:id="rId27"/>
+    <p:sldId id="565" r:id="rId28"/>
     <p:sldId id="544" r:id="rId29"/>
   </p:sldIdLst>
   <p:sldSz cx="12192000" cy="6858000"/>
@@ -649,7 +649,7 @@
           <a:p>
             <a:fld id="{23C058E0-0852-DB43-83D6-BD76659FF1D8}" type="slidenum">
               <a:rPr lang="en-US" smtClean="0"/>
-              <a:t>10</a:t>
+              <a:t>11</a:t>
             </a:fld>
             <a:endParaRPr lang="en-US" dirty="0"/>
           </a:p>
@@ -17531,70 +17531,66 @@
           <a:chExt cx="0" cy="0"/>
         </a:xfrm>
       </p:grpSpPr>
-      <p:pic>
-        <p:nvPicPr>
-          <p:cNvPr id="5" name="Picture 4">
-            <a:extLst>
-              <a:ext uri="{FF2B5EF4-FFF2-40B4-BE49-F238E27FC236}">
-                <a16:creationId xmlns:a16="http://schemas.microsoft.com/office/drawing/2014/main" id="{DA2CFF7A-E3DC-076F-9F7C-F2292D15BA58}"/>
-              </a:ext>
-            </a:extLst>
-          </p:cNvPr>
-          <p:cNvPicPr>
-            <a:picLocks noChangeAspect="1"/>
-          </p:cNvPicPr>
-          <p:nvPr/>
-        </p:nvPicPr>
-        <p:blipFill>
-          <a:blip r:embed="rId3"/>
-          <a:stretch>
-            <a:fillRect/>
-          </a:stretch>
-        </p:blipFill>
-        <p:spPr>
-          <a:xfrm>
-            <a:off x="0" y="0"/>
-            <a:ext cx="12192000" cy="3076996"/>
-          </a:xfrm>
-          <a:prstGeom prst="rect">
-            <a:avLst/>
-          </a:prstGeom>
-        </p:spPr>
-      </p:pic>
-      <p:pic>
-        <p:nvPicPr>
-          <p:cNvPr id="7" name="Picture 6">
-            <a:extLst>
-              <a:ext uri="{FF2B5EF4-FFF2-40B4-BE49-F238E27FC236}">
-                <a16:creationId xmlns:a16="http://schemas.microsoft.com/office/drawing/2014/main" id="{57B944E7-8C82-BCDB-CEAF-2E43E14072BB}"/>
-              </a:ext>
-            </a:extLst>
-          </p:cNvPr>
-          <p:cNvPicPr>
-            <a:picLocks noChangeAspect="1"/>
-          </p:cNvPicPr>
-          <p:nvPr/>
-        </p:nvPicPr>
-        <p:blipFill>
-          <a:blip r:embed="rId4"/>
-          <a:stretch>
-            <a:fillRect/>
-          </a:stretch>
-        </p:blipFill>
-        <p:spPr>
-          <a:xfrm>
-            <a:off x="9832" y="1679620"/>
-            <a:ext cx="12192000" cy="5268565"/>
-          </a:xfrm>
-          <a:prstGeom prst="rect">
-            <a:avLst/>
-          </a:prstGeom>
-        </p:spPr>
-      </p:pic>
+      <p:sp>
+        <p:nvSpPr>
+          <p:cNvPr id="2" name="Title 1">
+            <a:extLst>
+              <a:ext uri="{FF2B5EF4-FFF2-40B4-BE49-F238E27FC236}">
+                <a16:creationId xmlns:a16="http://schemas.microsoft.com/office/drawing/2014/main" id="{94F1D071-7DCC-0F9B-4EEB-7347F2BC4E2B}"/>
+              </a:ext>
+            </a:extLst>
+          </p:cNvPr>
+          <p:cNvSpPr>
+            <a:spLocks noGrp="1"/>
+          </p:cNvSpPr>
+          <p:nvPr>
+            <p:ph type="ctrTitle"/>
+          </p:nvPr>
+        </p:nvSpPr>
+        <p:spPr/>
+        <p:txBody>
+          <a:bodyPr/>
+          <a:lstStyle/>
+          <a:p>
+            <a:r>
+              <a:rPr lang="en-US" dirty="0"/>
+              <a:t>flowchart</a:t>
+            </a:r>
+          </a:p>
+        </p:txBody>
+      </p:sp>
+      <p:sp>
+        <p:nvSpPr>
+          <p:cNvPr id="3" name="Subtitle 2">
+            <a:extLst>
+              <a:ext uri="{FF2B5EF4-FFF2-40B4-BE49-F238E27FC236}">
+                <a16:creationId xmlns:a16="http://schemas.microsoft.com/office/drawing/2014/main" id="{CFFFBACB-E5C5-CCA0-2095-C4BD698B18AF}"/>
+              </a:ext>
+            </a:extLst>
+          </p:cNvPr>
+          <p:cNvSpPr>
+            <a:spLocks noGrp="1"/>
+          </p:cNvSpPr>
+          <p:nvPr>
+            <p:ph type="subTitle" idx="1"/>
+          </p:nvPr>
+        </p:nvSpPr>
+        <p:spPr/>
+        <p:txBody>
+          <a:bodyPr/>
+          <a:lstStyle/>
+          <a:p>
+            <a:r>
+              <a:rPr lang="en-US" dirty="0"/>
+              <a:t>client</a:t>
+            </a:r>
+          </a:p>
+        </p:txBody>
+      </p:sp>
     </p:spTree>
     <p:extLst>
       <p:ext uri="{BB962C8B-B14F-4D97-AF65-F5344CB8AC3E}">
-        <p14:creationId xmlns:p14="http://schemas.microsoft.com/office/powerpoint/2010/main" val="2059132875"/>
+        <p14:creationId xmlns:p14="http://schemas.microsoft.com/office/powerpoint/2010/main" val="654359479"/>
       </p:ext>
     </p:extLst>
   </p:cSld>
@@ -17626,7 +17622,7 @@
           <p:cNvPr id="5" name="Picture 4">
             <a:extLst>
               <a:ext uri="{FF2B5EF4-FFF2-40B4-BE49-F238E27FC236}">
-                <a16:creationId xmlns:a16="http://schemas.microsoft.com/office/drawing/2014/main" id="{A86BBC07-99CF-DF31-4E08-5EC17777E95F}"/>
+                <a16:creationId xmlns:a16="http://schemas.microsoft.com/office/drawing/2014/main" id="{DA2CFF7A-E3DC-076F-9F7C-F2292D15BA58}"/>
               </a:ext>
             </a:extLst>
           </p:cNvPr>
@@ -17636,15 +17632,45 @@
           <p:nvPr/>
         </p:nvPicPr>
         <p:blipFill>
-          <a:blip r:embed="rId2"/>
+          <a:blip r:embed="rId3"/>
           <a:stretch>
             <a:fillRect/>
           </a:stretch>
         </p:blipFill>
         <p:spPr>
           <a:xfrm>
-            <a:off x="0" y="1276445"/>
-            <a:ext cx="12192000" cy="4305110"/>
+            <a:off x="0" y="0"/>
+            <a:ext cx="12192000" cy="3076996"/>
+          </a:xfrm>
+          <a:prstGeom prst="rect">
+            <a:avLst/>
+          </a:prstGeom>
+        </p:spPr>
+      </p:pic>
+      <p:pic>
+        <p:nvPicPr>
+          <p:cNvPr id="7" name="Picture 6">
+            <a:extLst>
+              <a:ext uri="{FF2B5EF4-FFF2-40B4-BE49-F238E27FC236}">
+                <a16:creationId xmlns:a16="http://schemas.microsoft.com/office/drawing/2014/main" id="{57B944E7-8C82-BCDB-CEAF-2E43E14072BB}"/>
+              </a:ext>
+            </a:extLst>
+          </p:cNvPr>
+          <p:cNvPicPr>
+            <a:picLocks noChangeAspect="1"/>
+          </p:cNvPicPr>
+          <p:nvPr/>
+        </p:nvPicPr>
+        <p:blipFill>
+          <a:blip r:embed="rId4"/>
+          <a:stretch>
+            <a:fillRect/>
+          </a:stretch>
+        </p:blipFill>
+        <p:spPr>
+          <a:xfrm>
+            <a:off x="9832" y="1679620"/>
+            <a:ext cx="12192000" cy="5268565"/>
           </a:xfrm>
           <a:prstGeom prst="rect">
             <a:avLst/>
@@ -17654,7 +17680,7 @@
     </p:spTree>
     <p:extLst>
       <p:ext uri="{BB962C8B-B14F-4D97-AF65-F5344CB8AC3E}">
-        <p14:creationId xmlns:p14="http://schemas.microsoft.com/office/powerpoint/2010/main" val="503712898"/>
+        <p14:creationId xmlns:p14="http://schemas.microsoft.com/office/powerpoint/2010/main" val="2059132875"/>
       </p:ext>
     </p:extLst>
   </p:cSld>
@@ -17686,7 +17712,7 @@
           <p:cNvPr id="5" name="Picture 4">
             <a:extLst>
               <a:ext uri="{FF2B5EF4-FFF2-40B4-BE49-F238E27FC236}">
-                <a16:creationId xmlns:a16="http://schemas.microsoft.com/office/drawing/2014/main" id="{DF44090A-6BA9-5F27-9921-C475425CD829}"/>
+                <a16:creationId xmlns:a16="http://schemas.microsoft.com/office/drawing/2014/main" id="{A86BBC07-99CF-DF31-4E08-5EC17777E95F}"/>
               </a:ext>
             </a:extLst>
           </p:cNvPr>
@@ -17714,7 +17740,7 @@
     </p:spTree>
     <p:extLst>
       <p:ext uri="{BB962C8B-B14F-4D97-AF65-F5344CB8AC3E}">
-        <p14:creationId xmlns:p14="http://schemas.microsoft.com/office/powerpoint/2010/main" val="3665970566"/>
+        <p14:creationId xmlns:p14="http://schemas.microsoft.com/office/powerpoint/2010/main" val="503712898"/>
       </p:ext>
     </p:extLst>
   </p:cSld>
@@ -17741,66 +17767,40 @@
           <a:chExt cx="0" cy="0"/>
         </a:xfrm>
       </p:grpSpPr>
-      <p:sp>
-        <p:nvSpPr>
-          <p:cNvPr id="2" name="Title 1">
-            <a:extLst>
-              <a:ext uri="{FF2B5EF4-FFF2-40B4-BE49-F238E27FC236}">
-                <a16:creationId xmlns:a16="http://schemas.microsoft.com/office/drawing/2014/main" id="{1C20D9DD-1BD8-E089-3DAB-6A076D4EA7B8}"/>
-              </a:ext>
-            </a:extLst>
-          </p:cNvPr>
-          <p:cNvSpPr>
-            <a:spLocks noGrp="1"/>
-          </p:cNvSpPr>
-          <p:nvPr>
-            <p:ph type="ctrTitle"/>
-          </p:nvPr>
-        </p:nvSpPr>
-        <p:spPr/>
-        <p:txBody>
-          <a:bodyPr/>
-          <a:lstStyle/>
-          <a:p>
-            <a:r>
-              <a:rPr lang="en-US" dirty="0"/>
-              <a:t>CODE Review</a:t>
-            </a:r>
-          </a:p>
-        </p:txBody>
-      </p:sp>
-      <p:sp>
-        <p:nvSpPr>
-          <p:cNvPr id="3" name="Subtitle 2">
-            <a:extLst>
-              <a:ext uri="{FF2B5EF4-FFF2-40B4-BE49-F238E27FC236}">
-                <a16:creationId xmlns:a16="http://schemas.microsoft.com/office/drawing/2014/main" id="{FEA0B9A9-8A4B-2220-5094-CB216626F794}"/>
-              </a:ext>
-            </a:extLst>
-          </p:cNvPr>
-          <p:cNvSpPr>
-            <a:spLocks noGrp="1"/>
-          </p:cNvSpPr>
-          <p:nvPr>
-            <p:ph type="subTitle" idx="1"/>
-          </p:nvPr>
-        </p:nvSpPr>
-        <p:spPr/>
-        <p:txBody>
-          <a:bodyPr/>
-          <a:lstStyle/>
-          <a:p>
-            <a:r>
-              <a:rPr lang="en-US" dirty="0"/>
-              <a:t>Server</a:t>
-            </a:r>
-          </a:p>
-        </p:txBody>
-      </p:sp>
+      <p:pic>
+        <p:nvPicPr>
+          <p:cNvPr id="5" name="Picture 4">
+            <a:extLst>
+              <a:ext uri="{FF2B5EF4-FFF2-40B4-BE49-F238E27FC236}">
+                <a16:creationId xmlns:a16="http://schemas.microsoft.com/office/drawing/2014/main" id="{DF44090A-6BA9-5F27-9921-C475425CD829}"/>
+              </a:ext>
+            </a:extLst>
+          </p:cNvPr>
+          <p:cNvPicPr>
+            <a:picLocks noChangeAspect="1"/>
+          </p:cNvPicPr>
+          <p:nvPr/>
+        </p:nvPicPr>
+        <p:blipFill>
+          <a:blip r:embed="rId2"/>
+          <a:stretch>
+            <a:fillRect/>
+          </a:stretch>
+        </p:blipFill>
+        <p:spPr>
+          <a:xfrm>
+            <a:off x="0" y="1276445"/>
+            <a:ext cx="12192000" cy="4305110"/>
+          </a:xfrm>
+          <a:prstGeom prst="rect">
+            <a:avLst/>
+          </a:prstGeom>
+        </p:spPr>
+      </p:pic>
     </p:spTree>
     <p:extLst>
       <p:ext uri="{BB962C8B-B14F-4D97-AF65-F5344CB8AC3E}">
-        <p14:creationId xmlns:p14="http://schemas.microsoft.com/office/powerpoint/2010/main" val="3498790951"/>
+        <p14:creationId xmlns:p14="http://schemas.microsoft.com/office/powerpoint/2010/main" val="3665970566"/>
       </p:ext>
     </p:extLst>
   </p:cSld>
@@ -17829,10 +17829,10 @@
       </p:grpSpPr>
       <p:sp>
         <p:nvSpPr>
-          <p:cNvPr id="2" name="Footer Placeholder 1">
-            <a:extLst>
-              <a:ext uri="{FF2B5EF4-FFF2-40B4-BE49-F238E27FC236}">
-                <a16:creationId xmlns:a16="http://schemas.microsoft.com/office/drawing/2014/main" id="{BF415793-D612-8792-4853-636CC272DBE8}"/>
+          <p:cNvPr id="2" name="Title 1">
+            <a:extLst>
+              <a:ext uri="{FF2B5EF4-FFF2-40B4-BE49-F238E27FC236}">
+                <a16:creationId xmlns:a16="http://schemas.microsoft.com/office/drawing/2014/main" id="{1C20D9DD-1BD8-E089-3DAB-6A076D4EA7B8}"/>
               </a:ext>
             </a:extLst>
           </p:cNvPr>
@@ -17840,7 +17840,7 @@
             <a:spLocks noGrp="1"/>
           </p:cNvSpPr>
           <p:nvPr>
-            <p:ph type="ftr" sz="quarter" idx="11"/>
+            <p:ph type="ctrTitle"/>
           </p:nvPr>
         </p:nvSpPr>
         <p:spPr/>
@@ -17849,19 +17849,18 @@
           <a:lstStyle/>
           <a:p>
             <a:r>
-              <a:rPr lang="en-US"/>
-              <a:t>Crypto: investing &amp; trading</a:t>
-            </a:r>
-            <a:endParaRPr lang="en-US" dirty="0"/>
-          </a:p>
-        </p:txBody>
-      </p:sp>
-      <p:sp>
-        <p:nvSpPr>
-          <p:cNvPr id="3" name="Slide Number Placeholder 2">
-            <a:extLst>
-              <a:ext uri="{FF2B5EF4-FFF2-40B4-BE49-F238E27FC236}">
-                <a16:creationId xmlns:a16="http://schemas.microsoft.com/office/drawing/2014/main" id="{C2494906-C61A-3970-D405-D3B14C2BD2BC}"/>
+              <a:rPr lang="en-US" dirty="0"/>
+              <a:t>CODE Review</a:t>
+            </a:r>
+          </a:p>
+        </p:txBody>
+      </p:sp>
+      <p:sp>
+        <p:nvSpPr>
+          <p:cNvPr id="3" name="Subtitle 2">
+            <a:extLst>
+              <a:ext uri="{FF2B5EF4-FFF2-40B4-BE49-F238E27FC236}">
+                <a16:creationId xmlns:a16="http://schemas.microsoft.com/office/drawing/2014/main" id="{FEA0B9A9-8A4B-2220-5094-CB216626F794}"/>
               </a:ext>
             </a:extLst>
           </p:cNvPr>
@@ -17869,7 +17868,7 @@
             <a:spLocks noGrp="1"/>
           </p:cNvSpPr>
           <p:nvPr>
-            <p:ph type="sldNum" sz="quarter" idx="12"/>
+            <p:ph type="subTitle" idx="1"/>
           </p:nvPr>
         </p:nvSpPr>
         <p:spPr/>
@@ -17877,48 +17876,17 @@
           <a:bodyPr/>
           <a:lstStyle/>
           <a:p>
-            <a:fld id="{294A09A9-5501-47C1-A89A-A340965A2BE2}" type="slidenum">
-              <a:rPr lang="en-US" smtClean="0"/>
-              <a:t>14</a:t>
-            </a:fld>
-            <a:endParaRPr lang="en-US" dirty="0"/>
-          </a:p>
-        </p:txBody>
-      </p:sp>
-      <p:pic>
-        <p:nvPicPr>
-          <p:cNvPr id="5" name="Picture 4">
-            <a:extLst>
-              <a:ext uri="{FF2B5EF4-FFF2-40B4-BE49-F238E27FC236}">
-                <a16:creationId xmlns:a16="http://schemas.microsoft.com/office/drawing/2014/main" id="{FC053470-A085-7547-0417-85377FBCEF9F}"/>
-              </a:ext>
-            </a:extLst>
-          </p:cNvPr>
-          <p:cNvPicPr>
-            <a:picLocks noChangeAspect="1"/>
-          </p:cNvPicPr>
-          <p:nvPr/>
-        </p:nvPicPr>
-        <p:blipFill>
-          <a:blip r:embed="rId2"/>
-          <a:stretch>
-            <a:fillRect/>
-          </a:stretch>
-        </p:blipFill>
-        <p:spPr>
-          <a:xfrm>
-            <a:off x="737419" y="0"/>
-            <a:ext cx="10049715" cy="6858000"/>
-          </a:xfrm>
-          <a:prstGeom prst="rect">
-            <a:avLst/>
-          </a:prstGeom>
-        </p:spPr>
-      </p:pic>
+            <a:r>
+              <a:rPr lang="en-US" dirty="0"/>
+              <a:t>Server</a:t>
+            </a:r>
+          </a:p>
+        </p:txBody>
+      </p:sp>
     </p:spTree>
     <p:extLst>
       <p:ext uri="{BB962C8B-B14F-4D97-AF65-F5344CB8AC3E}">
-        <p14:creationId xmlns:p14="http://schemas.microsoft.com/office/powerpoint/2010/main" val="2209801142"/>
+        <p14:creationId xmlns:p14="http://schemas.microsoft.com/office/powerpoint/2010/main" val="3498790951"/>
       </p:ext>
     </p:extLst>
   </p:cSld>
@@ -17950,7 +17918,7 @@
           <p:cNvPr id="2" name="Footer Placeholder 1">
             <a:extLst>
               <a:ext uri="{FF2B5EF4-FFF2-40B4-BE49-F238E27FC236}">
-                <a16:creationId xmlns:a16="http://schemas.microsoft.com/office/drawing/2014/main" id="{F576F7A2-B6E1-3857-CEBC-0106DC0F085B}"/>
+                <a16:creationId xmlns:a16="http://schemas.microsoft.com/office/drawing/2014/main" id="{BF415793-D612-8792-4853-636CC272DBE8}"/>
               </a:ext>
             </a:extLst>
           </p:cNvPr>
@@ -17979,7 +17947,7 @@
           <p:cNvPr id="3" name="Slide Number Placeholder 2">
             <a:extLst>
               <a:ext uri="{FF2B5EF4-FFF2-40B4-BE49-F238E27FC236}">
-                <a16:creationId xmlns:a16="http://schemas.microsoft.com/office/drawing/2014/main" id="{3AF26D42-B51A-8F08-4AAA-1562349D196F}"/>
+                <a16:creationId xmlns:a16="http://schemas.microsoft.com/office/drawing/2014/main" id="{C2494906-C61A-3970-D405-D3B14C2BD2BC}"/>
               </a:ext>
             </a:extLst>
           </p:cNvPr>
@@ -18008,7 +17976,7 @@
           <p:cNvPr id="5" name="Picture 4">
             <a:extLst>
               <a:ext uri="{FF2B5EF4-FFF2-40B4-BE49-F238E27FC236}">
-                <a16:creationId xmlns:a16="http://schemas.microsoft.com/office/drawing/2014/main" id="{5B421E17-51A4-12CB-720C-3C8480B1A5FA}"/>
+                <a16:creationId xmlns:a16="http://schemas.microsoft.com/office/drawing/2014/main" id="{FC053470-A085-7547-0417-85377FBCEF9F}"/>
               </a:ext>
             </a:extLst>
           </p:cNvPr>
@@ -18025,8 +17993,8 @@
         </p:blipFill>
         <p:spPr>
           <a:xfrm>
-            <a:off x="850392" y="0"/>
-            <a:ext cx="10386598" cy="6858000"/>
+            <a:off x="737419" y="0"/>
+            <a:ext cx="10049715" cy="6858000"/>
           </a:xfrm>
           <a:prstGeom prst="rect">
             <a:avLst/>
@@ -18036,7 +18004,7 @@
     </p:spTree>
     <p:extLst>
       <p:ext uri="{BB962C8B-B14F-4D97-AF65-F5344CB8AC3E}">
-        <p14:creationId xmlns:p14="http://schemas.microsoft.com/office/powerpoint/2010/main" val="3952673360"/>
+        <p14:creationId xmlns:p14="http://schemas.microsoft.com/office/powerpoint/2010/main" val="2209801142"/>
       </p:ext>
     </p:extLst>
   </p:cSld>
@@ -18068,7 +18036,7 @@
           <p:cNvPr id="2" name="Footer Placeholder 1">
             <a:extLst>
               <a:ext uri="{FF2B5EF4-FFF2-40B4-BE49-F238E27FC236}">
-                <a16:creationId xmlns:a16="http://schemas.microsoft.com/office/drawing/2014/main" id="{E5D34119-7CF5-0212-A0B1-156D6F5FAF02}"/>
+                <a16:creationId xmlns:a16="http://schemas.microsoft.com/office/drawing/2014/main" id="{F576F7A2-B6E1-3857-CEBC-0106DC0F085B}"/>
               </a:ext>
             </a:extLst>
           </p:cNvPr>
@@ -18097,7 +18065,7 @@
           <p:cNvPr id="3" name="Slide Number Placeholder 2">
             <a:extLst>
               <a:ext uri="{FF2B5EF4-FFF2-40B4-BE49-F238E27FC236}">
-                <a16:creationId xmlns:a16="http://schemas.microsoft.com/office/drawing/2014/main" id="{5B8A39FD-C73B-7A65-5F06-5797281F5905}"/>
+                <a16:creationId xmlns:a16="http://schemas.microsoft.com/office/drawing/2014/main" id="{3AF26D42-B51A-8F08-4AAA-1562349D196F}"/>
               </a:ext>
             </a:extLst>
           </p:cNvPr>
@@ -18126,7 +18094,7 @@
           <p:cNvPr id="5" name="Picture 4">
             <a:extLst>
               <a:ext uri="{FF2B5EF4-FFF2-40B4-BE49-F238E27FC236}">
-                <a16:creationId xmlns:a16="http://schemas.microsoft.com/office/drawing/2014/main" id="{96395761-A8DD-0BAA-216D-85D4EC32B31E}"/>
+                <a16:creationId xmlns:a16="http://schemas.microsoft.com/office/drawing/2014/main" id="{5B421E17-51A4-12CB-720C-3C8480B1A5FA}"/>
               </a:ext>
             </a:extLst>
           </p:cNvPr>
@@ -18143,8 +18111,8 @@
         </p:blipFill>
         <p:spPr>
           <a:xfrm>
-            <a:off x="983225" y="0"/>
-            <a:ext cx="10424160" cy="6858000"/>
+            <a:off x="850392" y="0"/>
+            <a:ext cx="10386598" cy="6858000"/>
           </a:xfrm>
           <a:prstGeom prst="rect">
             <a:avLst/>
@@ -18154,7 +18122,7 @@
     </p:spTree>
     <p:extLst>
       <p:ext uri="{BB962C8B-B14F-4D97-AF65-F5344CB8AC3E}">
-        <p14:creationId xmlns:p14="http://schemas.microsoft.com/office/powerpoint/2010/main" val="392587422"/>
+        <p14:creationId xmlns:p14="http://schemas.microsoft.com/office/powerpoint/2010/main" val="3952673360"/>
       </p:ext>
     </p:extLst>
   </p:cSld>
@@ -18183,10 +18151,39 @@
       </p:grpSpPr>
       <p:sp>
         <p:nvSpPr>
+          <p:cNvPr id="2" name="Footer Placeholder 1">
+            <a:extLst>
+              <a:ext uri="{FF2B5EF4-FFF2-40B4-BE49-F238E27FC236}">
+                <a16:creationId xmlns:a16="http://schemas.microsoft.com/office/drawing/2014/main" id="{E5D34119-7CF5-0212-A0B1-156D6F5FAF02}"/>
+              </a:ext>
+            </a:extLst>
+          </p:cNvPr>
+          <p:cNvSpPr>
+            <a:spLocks noGrp="1"/>
+          </p:cNvSpPr>
+          <p:nvPr>
+            <p:ph type="ftr" sz="quarter" idx="11"/>
+          </p:nvPr>
+        </p:nvSpPr>
+        <p:spPr/>
+        <p:txBody>
+          <a:bodyPr/>
+          <a:lstStyle/>
+          <a:p>
+            <a:r>
+              <a:rPr lang="en-US"/>
+              <a:t>Crypto: investing &amp; trading</a:t>
+            </a:r>
+            <a:endParaRPr lang="en-US" dirty="0"/>
+          </a:p>
+        </p:txBody>
+      </p:sp>
+      <p:sp>
+        <p:nvSpPr>
           <p:cNvPr id="3" name="Slide Number Placeholder 2">
             <a:extLst>
               <a:ext uri="{FF2B5EF4-FFF2-40B4-BE49-F238E27FC236}">
-                <a16:creationId xmlns:a16="http://schemas.microsoft.com/office/drawing/2014/main" id="{8EA10E49-45A8-F662-5239-9CFFE9B3AE4F}"/>
+                <a16:creationId xmlns:a16="http://schemas.microsoft.com/office/drawing/2014/main" id="{5B8A39FD-C73B-7A65-5F06-5797281F5905}"/>
               </a:ext>
             </a:extLst>
           </p:cNvPr>
@@ -18215,7 +18212,7 @@
           <p:cNvPr id="5" name="Picture 4">
             <a:extLst>
               <a:ext uri="{FF2B5EF4-FFF2-40B4-BE49-F238E27FC236}">
-                <a16:creationId xmlns:a16="http://schemas.microsoft.com/office/drawing/2014/main" id="{5EE94D36-E409-9183-DEF8-BD00F7DCCF40}"/>
+                <a16:creationId xmlns:a16="http://schemas.microsoft.com/office/drawing/2014/main" id="{96395761-A8DD-0BAA-216D-85D4EC32B31E}"/>
               </a:ext>
             </a:extLst>
           </p:cNvPr>
@@ -18232,8 +18229,8 @@
         </p:blipFill>
         <p:spPr>
           <a:xfrm>
-            <a:off x="0" y="58704"/>
-            <a:ext cx="12192000" cy="6740592"/>
+            <a:off x="983225" y="0"/>
+            <a:ext cx="10424160" cy="6858000"/>
           </a:xfrm>
           <a:prstGeom prst="rect">
             <a:avLst/>
@@ -18243,7 +18240,7 @@
     </p:spTree>
     <p:extLst>
       <p:ext uri="{BB962C8B-B14F-4D97-AF65-F5344CB8AC3E}">
-        <p14:creationId xmlns:p14="http://schemas.microsoft.com/office/powerpoint/2010/main" val="1094164110"/>
+        <p14:creationId xmlns:p14="http://schemas.microsoft.com/office/powerpoint/2010/main" val="392587422"/>
       </p:ext>
     </p:extLst>
   </p:cSld>
@@ -18272,39 +18269,10 @@
       </p:grpSpPr>
       <p:sp>
         <p:nvSpPr>
-          <p:cNvPr id="2" name="Footer Placeholder 1">
-            <a:extLst>
-              <a:ext uri="{FF2B5EF4-FFF2-40B4-BE49-F238E27FC236}">
-                <a16:creationId xmlns:a16="http://schemas.microsoft.com/office/drawing/2014/main" id="{8F1692EB-DFC6-6F71-CFFF-8B70D98E6E25}"/>
-              </a:ext>
-            </a:extLst>
-          </p:cNvPr>
-          <p:cNvSpPr>
-            <a:spLocks noGrp="1"/>
-          </p:cNvSpPr>
-          <p:nvPr>
-            <p:ph type="ftr" sz="quarter" idx="11"/>
-          </p:nvPr>
-        </p:nvSpPr>
-        <p:spPr/>
-        <p:txBody>
-          <a:bodyPr/>
-          <a:lstStyle/>
-          <a:p>
-            <a:r>
-              <a:rPr lang="en-US"/>
-              <a:t>Crypto: investing &amp; trading</a:t>
-            </a:r>
-            <a:endParaRPr lang="en-US" dirty="0"/>
-          </a:p>
-        </p:txBody>
-      </p:sp>
-      <p:sp>
-        <p:nvSpPr>
           <p:cNvPr id="3" name="Slide Number Placeholder 2">
             <a:extLst>
               <a:ext uri="{FF2B5EF4-FFF2-40B4-BE49-F238E27FC236}">
-                <a16:creationId xmlns:a16="http://schemas.microsoft.com/office/drawing/2014/main" id="{2C68310B-4195-8492-49C4-A50E5E4B6003}"/>
+                <a16:creationId xmlns:a16="http://schemas.microsoft.com/office/drawing/2014/main" id="{8EA10E49-45A8-F662-5239-9CFFE9B3AE4F}"/>
               </a:ext>
             </a:extLst>
           </p:cNvPr>
@@ -18333,7 +18301,7 @@
           <p:cNvPr id="5" name="Picture 4">
             <a:extLst>
               <a:ext uri="{FF2B5EF4-FFF2-40B4-BE49-F238E27FC236}">
-                <a16:creationId xmlns:a16="http://schemas.microsoft.com/office/drawing/2014/main" id="{EAF026C0-0584-3274-5FA2-01E0565324E1}"/>
+                <a16:creationId xmlns:a16="http://schemas.microsoft.com/office/drawing/2014/main" id="{5EE94D36-E409-9183-DEF8-BD00F7DCCF40}"/>
               </a:ext>
             </a:extLst>
           </p:cNvPr>
@@ -18350,8 +18318,8 @@
         </p:blipFill>
         <p:spPr>
           <a:xfrm>
-            <a:off x="715628" y="722376"/>
-            <a:ext cx="10939615" cy="5062350"/>
+            <a:off x="0" y="58704"/>
+            <a:ext cx="12192000" cy="6740592"/>
           </a:xfrm>
           <a:prstGeom prst="rect">
             <a:avLst/>
@@ -18361,7 +18329,7 @@
     </p:spTree>
     <p:extLst>
       <p:ext uri="{BB962C8B-B14F-4D97-AF65-F5344CB8AC3E}">
-        <p14:creationId xmlns:p14="http://schemas.microsoft.com/office/powerpoint/2010/main" val="2965073086"/>
+        <p14:creationId xmlns:p14="http://schemas.microsoft.com/office/powerpoint/2010/main" val="1094164110"/>
       </p:ext>
     </p:extLst>
   </p:cSld>
@@ -18390,10 +18358,10 @@
       </p:grpSpPr>
       <p:sp>
         <p:nvSpPr>
-          <p:cNvPr id="2" name="Title 1">
-            <a:extLst>
-              <a:ext uri="{FF2B5EF4-FFF2-40B4-BE49-F238E27FC236}">
-                <a16:creationId xmlns:a16="http://schemas.microsoft.com/office/drawing/2014/main" id="{1C20D9DD-1BD8-E089-3DAB-6A076D4EA7B8}"/>
+          <p:cNvPr id="2" name="Footer Placeholder 1">
+            <a:extLst>
+              <a:ext uri="{FF2B5EF4-FFF2-40B4-BE49-F238E27FC236}">
+                <a16:creationId xmlns:a16="http://schemas.microsoft.com/office/drawing/2014/main" id="{8F1692EB-DFC6-6F71-CFFF-8B70D98E6E25}"/>
               </a:ext>
             </a:extLst>
           </p:cNvPr>
@@ -18401,7 +18369,7 @@
             <a:spLocks noGrp="1"/>
           </p:cNvSpPr>
           <p:nvPr>
-            <p:ph type="ctrTitle"/>
+            <p:ph type="ftr" sz="quarter" idx="11"/>
           </p:nvPr>
         </p:nvSpPr>
         <p:spPr/>
@@ -18410,18 +18378,19 @@
           <a:lstStyle/>
           <a:p>
             <a:r>
-              <a:rPr lang="en-US" dirty="0"/>
-              <a:t>CODE Review</a:t>
-            </a:r>
-          </a:p>
-        </p:txBody>
-      </p:sp>
-      <p:sp>
-        <p:nvSpPr>
-          <p:cNvPr id="3" name="Subtitle 2">
-            <a:extLst>
-              <a:ext uri="{FF2B5EF4-FFF2-40B4-BE49-F238E27FC236}">
-                <a16:creationId xmlns:a16="http://schemas.microsoft.com/office/drawing/2014/main" id="{FEA0B9A9-8A4B-2220-5094-CB216626F794}"/>
+              <a:rPr lang="en-US"/>
+              <a:t>Crypto: investing &amp; trading</a:t>
+            </a:r>
+            <a:endParaRPr lang="en-US" dirty="0"/>
+          </a:p>
+        </p:txBody>
+      </p:sp>
+      <p:sp>
+        <p:nvSpPr>
+          <p:cNvPr id="3" name="Slide Number Placeholder 2">
+            <a:extLst>
+              <a:ext uri="{FF2B5EF4-FFF2-40B4-BE49-F238E27FC236}">
+                <a16:creationId xmlns:a16="http://schemas.microsoft.com/office/drawing/2014/main" id="{2C68310B-4195-8492-49C4-A50E5E4B6003}"/>
               </a:ext>
             </a:extLst>
           </p:cNvPr>
@@ -18429,7 +18398,7 @@
             <a:spLocks noGrp="1"/>
           </p:cNvSpPr>
           <p:nvPr>
-            <p:ph type="subTitle" idx="1"/>
+            <p:ph type="sldNum" sz="quarter" idx="12"/>
           </p:nvPr>
         </p:nvSpPr>
         <p:spPr/>
@@ -18437,17 +18406,48 @@
           <a:bodyPr/>
           <a:lstStyle/>
           <a:p>
-            <a:r>
-              <a:rPr lang="en-US" dirty="0"/>
-              <a:t>Client</a:t>
-            </a:r>
-          </a:p>
-        </p:txBody>
-      </p:sp>
+            <a:fld id="{294A09A9-5501-47C1-A89A-A340965A2BE2}" type="slidenum">
+              <a:rPr lang="en-US" smtClean="0"/>
+              <a:t>19</a:t>
+            </a:fld>
+            <a:endParaRPr lang="en-US" dirty="0"/>
+          </a:p>
+        </p:txBody>
+      </p:sp>
+      <p:pic>
+        <p:nvPicPr>
+          <p:cNvPr id="5" name="Picture 4">
+            <a:extLst>
+              <a:ext uri="{FF2B5EF4-FFF2-40B4-BE49-F238E27FC236}">
+                <a16:creationId xmlns:a16="http://schemas.microsoft.com/office/drawing/2014/main" id="{EAF026C0-0584-3274-5FA2-01E0565324E1}"/>
+              </a:ext>
+            </a:extLst>
+          </p:cNvPr>
+          <p:cNvPicPr>
+            <a:picLocks noChangeAspect="1"/>
+          </p:cNvPicPr>
+          <p:nvPr/>
+        </p:nvPicPr>
+        <p:blipFill>
+          <a:blip r:embed="rId2"/>
+          <a:stretch>
+            <a:fillRect/>
+          </a:stretch>
+        </p:blipFill>
+        <p:spPr>
+          <a:xfrm>
+            <a:off x="715628" y="722376"/>
+            <a:ext cx="10939615" cy="5062350"/>
+          </a:xfrm>
+          <a:prstGeom prst="rect">
+            <a:avLst/>
+          </a:prstGeom>
+        </p:spPr>
+      </p:pic>
     </p:spTree>
     <p:extLst>
       <p:ext uri="{BB962C8B-B14F-4D97-AF65-F5344CB8AC3E}">
-        <p14:creationId xmlns:p14="http://schemas.microsoft.com/office/powerpoint/2010/main" val="484909808"/>
+        <p14:creationId xmlns:p14="http://schemas.microsoft.com/office/powerpoint/2010/main" val="2965073086"/>
       </p:ext>
     </p:extLst>
   </p:cSld>
@@ -18744,10 +18744,10 @@
       </p:grpSpPr>
       <p:sp>
         <p:nvSpPr>
-          <p:cNvPr id="2" name="Footer Placeholder 1">
-            <a:extLst>
-              <a:ext uri="{FF2B5EF4-FFF2-40B4-BE49-F238E27FC236}">
-                <a16:creationId xmlns:a16="http://schemas.microsoft.com/office/drawing/2014/main" id="{BDD96C8B-76B9-C6B9-BADC-399D9A02870D}"/>
+          <p:cNvPr id="2" name="Title 1">
+            <a:extLst>
+              <a:ext uri="{FF2B5EF4-FFF2-40B4-BE49-F238E27FC236}">
+                <a16:creationId xmlns:a16="http://schemas.microsoft.com/office/drawing/2014/main" id="{1C20D9DD-1BD8-E089-3DAB-6A076D4EA7B8}"/>
               </a:ext>
             </a:extLst>
           </p:cNvPr>
@@ -18755,7 +18755,7 @@
             <a:spLocks noGrp="1"/>
           </p:cNvSpPr>
           <p:nvPr>
-            <p:ph type="ftr" sz="quarter" idx="11"/>
+            <p:ph type="ctrTitle"/>
           </p:nvPr>
         </p:nvSpPr>
         <p:spPr/>
@@ -18764,19 +18764,18 @@
           <a:lstStyle/>
           <a:p>
             <a:r>
-              <a:rPr lang="en-US"/>
-              <a:t>Crypto: investing &amp; trading</a:t>
-            </a:r>
-            <a:endParaRPr lang="en-US" dirty="0"/>
-          </a:p>
-        </p:txBody>
-      </p:sp>
-      <p:sp>
-        <p:nvSpPr>
-          <p:cNvPr id="3" name="Slide Number Placeholder 2">
-            <a:extLst>
-              <a:ext uri="{FF2B5EF4-FFF2-40B4-BE49-F238E27FC236}">
-                <a16:creationId xmlns:a16="http://schemas.microsoft.com/office/drawing/2014/main" id="{BA2745ED-7E67-03E1-C4A4-EDCE097BA1CF}"/>
+              <a:rPr lang="en-US" dirty="0"/>
+              <a:t>CODE Review</a:t>
+            </a:r>
+          </a:p>
+        </p:txBody>
+      </p:sp>
+      <p:sp>
+        <p:nvSpPr>
+          <p:cNvPr id="3" name="Subtitle 2">
+            <a:extLst>
+              <a:ext uri="{FF2B5EF4-FFF2-40B4-BE49-F238E27FC236}">
+                <a16:creationId xmlns:a16="http://schemas.microsoft.com/office/drawing/2014/main" id="{FEA0B9A9-8A4B-2220-5094-CB216626F794}"/>
               </a:ext>
             </a:extLst>
           </p:cNvPr>
@@ -18784,7 +18783,7 @@
             <a:spLocks noGrp="1"/>
           </p:cNvSpPr>
           <p:nvPr>
-            <p:ph type="sldNum" sz="quarter" idx="12"/>
+            <p:ph type="subTitle" idx="1"/>
           </p:nvPr>
         </p:nvSpPr>
         <p:spPr/>
@@ -18792,78 +18791,17 @@
           <a:bodyPr/>
           <a:lstStyle/>
           <a:p>
-            <a:fld id="{294A09A9-5501-47C1-A89A-A340965A2BE2}" type="slidenum">
-              <a:rPr lang="en-US" smtClean="0"/>
-              <a:t>20</a:t>
-            </a:fld>
-            <a:endParaRPr lang="en-US" dirty="0"/>
-          </a:p>
-        </p:txBody>
-      </p:sp>
-      <p:pic>
-        <p:nvPicPr>
-          <p:cNvPr id="5" name="Picture 4">
-            <a:extLst>
-              <a:ext uri="{FF2B5EF4-FFF2-40B4-BE49-F238E27FC236}">
-                <a16:creationId xmlns:a16="http://schemas.microsoft.com/office/drawing/2014/main" id="{1BCAD0DB-85ED-5574-CAFA-BE0721DE1E36}"/>
-              </a:ext>
-            </a:extLst>
-          </p:cNvPr>
-          <p:cNvPicPr>
-            <a:picLocks noChangeAspect="1"/>
-          </p:cNvPicPr>
-          <p:nvPr/>
-        </p:nvPicPr>
-        <p:blipFill>
-          <a:blip r:embed="rId2"/>
-          <a:stretch>
-            <a:fillRect/>
-          </a:stretch>
-        </p:blipFill>
-        <p:spPr>
-          <a:xfrm>
-            <a:off x="0" y="0"/>
-            <a:ext cx="5704649" cy="6858000"/>
-          </a:xfrm>
-          <a:prstGeom prst="rect">
-            <a:avLst/>
-          </a:prstGeom>
-        </p:spPr>
-      </p:pic>
-      <p:pic>
-        <p:nvPicPr>
-          <p:cNvPr id="7" name="Picture 6">
-            <a:extLst>
-              <a:ext uri="{FF2B5EF4-FFF2-40B4-BE49-F238E27FC236}">
-                <a16:creationId xmlns:a16="http://schemas.microsoft.com/office/drawing/2014/main" id="{86285F7D-403F-38A0-FACE-DB905D07C1DE}"/>
-              </a:ext>
-            </a:extLst>
-          </p:cNvPr>
-          <p:cNvPicPr>
-            <a:picLocks noChangeAspect="1"/>
-          </p:cNvPicPr>
-          <p:nvPr/>
-        </p:nvPicPr>
-        <p:blipFill>
-          <a:blip r:embed="rId3"/>
-          <a:stretch>
-            <a:fillRect/>
-          </a:stretch>
-        </p:blipFill>
-        <p:spPr>
-          <a:xfrm>
-            <a:off x="4903724" y="0"/>
-            <a:ext cx="8559209" cy="6858000"/>
-          </a:xfrm>
-          <a:prstGeom prst="rect">
-            <a:avLst/>
-          </a:prstGeom>
-        </p:spPr>
-      </p:pic>
+            <a:r>
+              <a:rPr lang="en-US" dirty="0"/>
+              <a:t>Client</a:t>
+            </a:r>
+          </a:p>
+        </p:txBody>
+      </p:sp>
     </p:spTree>
     <p:extLst>
       <p:ext uri="{BB962C8B-B14F-4D97-AF65-F5344CB8AC3E}">
-        <p14:creationId xmlns:p14="http://schemas.microsoft.com/office/powerpoint/2010/main" val="3845228038"/>
+        <p14:creationId xmlns:p14="http://schemas.microsoft.com/office/powerpoint/2010/main" val="484909808"/>
       </p:ext>
     </p:extLst>
   </p:cSld>
@@ -18895,7 +18833,7 @@
           <p:cNvPr id="2" name="Footer Placeholder 1">
             <a:extLst>
               <a:ext uri="{FF2B5EF4-FFF2-40B4-BE49-F238E27FC236}">
-                <a16:creationId xmlns:a16="http://schemas.microsoft.com/office/drawing/2014/main" id="{DE823308-7EC8-D90F-E456-4EA125E1E008}"/>
+                <a16:creationId xmlns:a16="http://schemas.microsoft.com/office/drawing/2014/main" id="{BDD96C8B-76B9-C6B9-BADC-399D9A02870D}"/>
               </a:ext>
             </a:extLst>
           </p:cNvPr>
@@ -18924,7 +18862,7 @@
           <p:cNvPr id="3" name="Slide Number Placeholder 2">
             <a:extLst>
               <a:ext uri="{FF2B5EF4-FFF2-40B4-BE49-F238E27FC236}">
-                <a16:creationId xmlns:a16="http://schemas.microsoft.com/office/drawing/2014/main" id="{F340FAED-CFFF-4CD7-D071-9BEBC7854510}"/>
+                <a16:creationId xmlns:a16="http://schemas.microsoft.com/office/drawing/2014/main" id="{BA2745ED-7E67-03E1-C4A4-EDCE097BA1CF}"/>
               </a:ext>
             </a:extLst>
           </p:cNvPr>
@@ -18953,7 +18891,7 @@
           <p:cNvPr id="5" name="Picture 4">
             <a:extLst>
               <a:ext uri="{FF2B5EF4-FFF2-40B4-BE49-F238E27FC236}">
-                <a16:creationId xmlns:a16="http://schemas.microsoft.com/office/drawing/2014/main" id="{81D56E9C-B910-E36B-52D6-A152CAAE2B3D}"/>
+                <a16:creationId xmlns:a16="http://schemas.microsoft.com/office/drawing/2014/main" id="{1BCAD0DB-85ED-5574-CAFA-BE0721DE1E36}"/>
               </a:ext>
             </a:extLst>
           </p:cNvPr>
@@ -18970,8 +18908,38 @@
         </p:blipFill>
         <p:spPr>
           <a:xfrm>
-            <a:off x="850392" y="566928"/>
-            <a:ext cx="10317015" cy="5391902"/>
+            <a:off x="0" y="0"/>
+            <a:ext cx="5704649" cy="6858000"/>
+          </a:xfrm>
+          <a:prstGeom prst="rect">
+            <a:avLst/>
+          </a:prstGeom>
+        </p:spPr>
+      </p:pic>
+      <p:pic>
+        <p:nvPicPr>
+          <p:cNvPr id="7" name="Picture 6">
+            <a:extLst>
+              <a:ext uri="{FF2B5EF4-FFF2-40B4-BE49-F238E27FC236}">
+                <a16:creationId xmlns:a16="http://schemas.microsoft.com/office/drawing/2014/main" id="{86285F7D-403F-38A0-FACE-DB905D07C1DE}"/>
+              </a:ext>
+            </a:extLst>
+          </p:cNvPr>
+          <p:cNvPicPr>
+            <a:picLocks noChangeAspect="1"/>
+          </p:cNvPicPr>
+          <p:nvPr/>
+        </p:nvPicPr>
+        <p:blipFill>
+          <a:blip r:embed="rId3"/>
+          <a:stretch>
+            <a:fillRect/>
+          </a:stretch>
+        </p:blipFill>
+        <p:spPr>
+          <a:xfrm>
+            <a:off x="4903724" y="0"/>
+            <a:ext cx="8559209" cy="6858000"/>
           </a:xfrm>
           <a:prstGeom prst="rect">
             <a:avLst/>
@@ -18981,7 +18949,7 @@
     </p:spTree>
     <p:extLst>
       <p:ext uri="{BB962C8B-B14F-4D97-AF65-F5344CB8AC3E}">
-        <p14:creationId xmlns:p14="http://schemas.microsoft.com/office/powerpoint/2010/main" val="2413272842"/>
+        <p14:creationId xmlns:p14="http://schemas.microsoft.com/office/powerpoint/2010/main" val="3845228038"/>
       </p:ext>
     </p:extLst>
   </p:cSld>
@@ -19010,10 +18978,10 @@
       </p:grpSpPr>
       <p:sp>
         <p:nvSpPr>
-          <p:cNvPr id="2" name="Title 1">
-            <a:extLst>
-              <a:ext uri="{FF2B5EF4-FFF2-40B4-BE49-F238E27FC236}">
-                <a16:creationId xmlns:a16="http://schemas.microsoft.com/office/drawing/2014/main" id="{0CDF3ADA-5C7A-F543-921F-69484B90BBD8}"/>
+          <p:cNvPr id="2" name="Footer Placeholder 1">
+            <a:extLst>
+              <a:ext uri="{FF2B5EF4-FFF2-40B4-BE49-F238E27FC236}">
+                <a16:creationId xmlns:a16="http://schemas.microsoft.com/office/drawing/2014/main" id="{DE823308-7EC8-D90F-E456-4EA125E1E008}"/>
               </a:ext>
             </a:extLst>
           </p:cNvPr>
@@ -19021,30 +18989,85 @@
             <a:spLocks noGrp="1"/>
           </p:cNvSpPr>
           <p:nvPr>
-            <p:ph type="ctrTitle"/>
+            <p:ph type="ftr" sz="quarter" idx="11"/>
           </p:nvPr>
         </p:nvSpPr>
-        <p:spPr>
-          <a:xfrm>
-            <a:off x="1700980" y="1862819"/>
-            <a:ext cx="9144000" cy="1069848"/>
-          </a:xfrm>
-        </p:spPr>
+        <p:spPr/>
         <p:txBody>
           <a:bodyPr/>
           <a:lstStyle/>
           <a:p>
             <a:r>
-              <a:rPr lang="en-US" dirty="0"/>
-              <a:t>Program output</a:t>
-            </a:r>
-          </a:p>
-        </p:txBody>
-      </p:sp>
+              <a:rPr lang="en-US"/>
+              <a:t>Crypto: investing &amp; trading</a:t>
+            </a:r>
+            <a:endParaRPr lang="en-US" dirty="0"/>
+          </a:p>
+        </p:txBody>
+      </p:sp>
+      <p:sp>
+        <p:nvSpPr>
+          <p:cNvPr id="3" name="Slide Number Placeholder 2">
+            <a:extLst>
+              <a:ext uri="{FF2B5EF4-FFF2-40B4-BE49-F238E27FC236}">
+                <a16:creationId xmlns:a16="http://schemas.microsoft.com/office/drawing/2014/main" id="{F340FAED-CFFF-4CD7-D071-9BEBC7854510}"/>
+              </a:ext>
+            </a:extLst>
+          </p:cNvPr>
+          <p:cNvSpPr>
+            <a:spLocks noGrp="1"/>
+          </p:cNvSpPr>
+          <p:nvPr>
+            <p:ph type="sldNum" sz="quarter" idx="12"/>
+          </p:nvPr>
+        </p:nvSpPr>
+        <p:spPr/>
+        <p:txBody>
+          <a:bodyPr/>
+          <a:lstStyle/>
+          <a:p>
+            <a:fld id="{294A09A9-5501-47C1-A89A-A340965A2BE2}" type="slidenum">
+              <a:rPr lang="en-US" smtClean="0"/>
+              <a:t>22</a:t>
+            </a:fld>
+            <a:endParaRPr lang="en-US" dirty="0"/>
+          </a:p>
+        </p:txBody>
+      </p:sp>
+      <p:pic>
+        <p:nvPicPr>
+          <p:cNvPr id="5" name="Picture 4">
+            <a:extLst>
+              <a:ext uri="{FF2B5EF4-FFF2-40B4-BE49-F238E27FC236}">
+                <a16:creationId xmlns:a16="http://schemas.microsoft.com/office/drawing/2014/main" id="{81D56E9C-B910-E36B-52D6-A152CAAE2B3D}"/>
+              </a:ext>
+            </a:extLst>
+          </p:cNvPr>
+          <p:cNvPicPr>
+            <a:picLocks noChangeAspect="1"/>
+          </p:cNvPicPr>
+          <p:nvPr/>
+        </p:nvPicPr>
+        <p:blipFill>
+          <a:blip r:embed="rId2"/>
+          <a:stretch>
+            <a:fillRect/>
+          </a:stretch>
+        </p:blipFill>
+        <p:spPr>
+          <a:xfrm>
+            <a:off x="850392" y="566928"/>
+            <a:ext cx="10317015" cy="5391902"/>
+          </a:xfrm>
+          <a:prstGeom prst="rect">
+            <a:avLst/>
+          </a:prstGeom>
+        </p:spPr>
+      </p:pic>
     </p:spTree>
     <p:extLst>
       <p:ext uri="{BB962C8B-B14F-4D97-AF65-F5344CB8AC3E}">
-        <p14:creationId xmlns:p14="http://schemas.microsoft.com/office/powerpoint/2010/main" val="3457986295"/>
+        <p14:creationId xmlns:p14="http://schemas.microsoft.com/office/powerpoint/2010/main" val="2413272842"/>
       </p:ext>
     </p:extLst>
   </p:cSld>
@@ -19073,10 +19096,10 @@
       </p:grpSpPr>
       <p:sp>
         <p:nvSpPr>
-          <p:cNvPr id="2" name="Footer Placeholder 1">
-            <a:extLst>
-              <a:ext uri="{FF2B5EF4-FFF2-40B4-BE49-F238E27FC236}">
-                <a16:creationId xmlns:a16="http://schemas.microsoft.com/office/drawing/2014/main" id="{9EE1655B-406C-0821-A9D2-8C4DCF2DEA2C}"/>
+          <p:cNvPr id="2" name="Title 1">
+            <a:extLst>
+              <a:ext uri="{FF2B5EF4-FFF2-40B4-BE49-F238E27FC236}">
+                <a16:creationId xmlns:a16="http://schemas.microsoft.com/office/drawing/2014/main" id="{0CDF3ADA-5C7A-F543-921F-69484B90BBD8}"/>
               </a:ext>
             </a:extLst>
           </p:cNvPr>
@@ -19084,85 +19107,30 @@
             <a:spLocks noGrp="1"/>
           </p:cNvSpPr>
           <p:nvPr>
-            <p:ph type="ftr" sz="quarter" idx="11"/>
+            <p:ph type="ctrTitle"/>
           </p:nvPr>
         </p:nvSpPr>
-        <p:spPr/>
+        <p:spPr>
+          <a:xfrm>
+            <a:off x="1700980" y="1862819"/>
+            <a:ext cx="9144000" cy="1069848"/>
+          </a:xfrm>
+        </p:spPr>
         <p:txBody>
           <a:bodyPr/>
           <a:lstStyle/>
           <a:p>
             <a:r>
-              <a:rPr lang="en-US"/>
-              <a:t>Crypto: investing &amp; trading</a:t>
-            </a:r>
-            <a:endParaRPr lang="en-US" dirty="0"/>
-          </a:p>
-        </p:txBody>
-      </p:sp>
-      <p:sp>
-        <p:nvSpPr>
-          <p:cNvPr id="3" name="Slide Number Placeholder 2">
-            <a:extLst>
-              <a:ext uri="{FF2B5EF4-FFF2-40B4-BE49-F238E27FC236}">
-                <a16:creationId xmlns:a16="http://schemas.microsoft.com/office/drawing/2014/main" id="{52245FDF-7910-B56A-496B-BA5098560DBF}"/>
-              </a:ext>
-            </a:extLst>
-          </p:cNvPr>
-          <p:cNvSpPr>
-            <a:spLocks noGrp="1"/>
-          </p:cNvSpPr>
-          <p:nvPr>
-            <p:ph type="sldNum" sz="quarter" idx="12"/>
-          </p:nvPr>
-        </p:nvSpPr>
-        <p:spPr/>
-        <p:txBody>
-          <a:bodyPr/>
-          <a:lstStyle/>
-          <a:p>
-            <a:fld id="{294A09A9-5501-47C1-A89A-A340965A2BE2}" type="slidenum">
-              <a:rPr lang="en-US" smtClean="0"/>
-              <a:t>23</a:t>
-            </a:fld>
-            <a:endParaRPr lang="en-US" dirty="0"/>
-          </a:p>
-        </p:txBody>
-      </p:sp>
-      <p:pic>
-        <p:nvPicPr>
-          <p:cNvPr id="5" name="Picture 4">
-            <a:extLst>
-              <a:ext uri="{FF2B5EF4-FFF2-40B4-BE49-F238E27FC236}">
-                <a16:creationId xmlns:a16="http://schemas.microsoft.com/office/drawing/2014/main" id="{2BD158F7-A815-5A34-4CF9-F4023E0C712F}"/>
-              </a:ext>
-            </a:extLst>
-          </p:cNvPr>
-          <p:cNvPicPr>
-            <a:picLocks noChangeAspect="1"/>
-          </p:cNvPicPr>
-          <p:nvPr/>
-        </p:nvPicPr>
-        <p:blipFill>
-          <a:blip r:embed="rId2"/>
-          <a:stretch>
-            <a:fillRect/>
-          </a:stretch>
-        </p:blipFill>
-        <p:spPr>
-          <a:xfrm>
-            <a:off x="78658" y="1397380"/>
-            <a:ext cx="12192000" cy="3748607"/>
-          </a:xfrm>
-          <a:prstGeom prst="rect">
-            <a:avLst/>
-          </a:prstGeom>
-        </p:spPr>
-      </p:pic>
+              <a:rPr lang="en-US" dirty="0"/>
+              <a:t>Program output</a:t>
+            </a:r>
+          </a:p>
+        </p:txBody>
+      </p:sp>
     </p:spTree>
     <p:extLst>
       <p:ext uri="{BB962C8B-B14F-4D97-AF65-F5344CB8AC3E}">
-        <p14:creationId xmlns:p14="http://schemas.microsoft.com/office/powerpoint/2010/main" val="2661670360"/>
+        <p14:creationId xmlns:p14="http://schemas.microsoft.com/office/powerpoint/2010/main" val="3457986295"/>
       </p:ext>
     </p:extLst>
   </p:cSld>
@@ -19189,682 +19157,12 @@
           <a:chExt cx="0" cy="0"/>
         </a:xfrm>
       </p:grpSpPr>
-      <p:grpSp>
-        <p:nvGrpSpPr>
-          <p:cNvPr id="4" name="Group 3">
-            <a:extLst>
-              <a:ext uri="{FF2B5EF4-FFF2-40B4-BE49-F238E27FC236}">
-                <a16:creationId xmlns:a16="http://schemas.microsoft.com/office/drawing/2014/main" id="{B4C44EC9-F730-00B6-E479-530EC276D851}"/>
-              </a:ext>
-              <a:ext uri="{C183D7F6-B498-43B3-948B-1728B52AA6E4}">
-                <adec:decorative xmlns:adec="http://schemas.microsoft.com/office/drawing/2017/decorative" val="1"/>
-              </a:ext>
-            </a:extLst>
-          </p:cNvPr>
-          <p:cNvGrpSpPr/>
-          <p:nvPr/>
-        </p:nvGrpSpPr>
-        <p:grpSpPr>
-          <a:xfrm rot="10800000">
-            <a:off x="1497321" y="2736484"/>
-            <a:ext cx="1512407" cy="938717"/>
-            <a:chOff x="4779792" y="2384561"/>
-            <a:chExt cx="3365480" cy="2088878"/>
-          </a:xfrm>
-          <a:solidFill>
-            <a:schemeClr val="accent6">
-              <a:alpha val="50231"/>
-            </a:schemeClr>
-          </a:solidFill>
-        </p:grpSpPr>
-        <p:sp>
-          <p:nvSpPr>
-            <p:cNvPr id="5" name="Freeform 4">
-              <a:extLst>
-                <a:ext uri="{FF2B5EF4-FFF2-40B4-BE49-F238E27FC236}">
-                  <a16:creationId xmlns:a16="http://schemas.microsoft.com/office/drawing/2014/main" id="{8B6D2F8E-4F98-B89F-E4FB-DD9F900821E1}"/>
-                </a:ext>
-              </a:extLst>
-            </p:cNvPr>
-            <p:cNvSpPr/>
-            <p:nvPr/>
-          </p:nvSpPr>
-          <p:spPr>
-            <a:xfrm flipH="1">
-              <a:off x="6582137" y="2384561"/>
-              <a:ext cx="1563135" cy="2088878"/>
-            </a:xfrm>
-            <a:custGeom>
-              <a:avLst/>
-              <a:gdLst>
-                <a:gd name="connsiteX0" fmla="*/ 520700 w 1041400"/>
-                <a:gd name="connsiteY0" fmla="*/ 0 h 1391663"/>
-                <a:gd name="connsiteX1" fmla="*/ 0 w 1041400"/>
-                <a:gd name="connsiteY1" fmla="*/ 520700 h 1391663"/>
-                <a:gd name="connsiteX2" fmla="*/ 601 w 1041400"/>
-                <a:gd name="connsiteY2" fmla="*/ 526665 h 1391663"/>
-                <a:gd name="connsiteX3" fmla="*/ 0 w 1041400"/>
-                <a:gd name="connsiteY3" fmla="*/ 530884 h 1391663"/>
-                <a:gd name="connsiteX4" fmla="*/ 839841 w 1041400"/>
-                <a:gd name="connsiteY4" fmla="*/ 1391663 h 1391663"/>
-                <a:gd name="connsiteX5" fmla="*/ 596988 w 1041400"/>
-                <a:gd name="connsiteY5" fmla="*/ 1070463 h 1391663"/>
-                <a:gd name="connsiteX6" fmla="*/ 595327 w 1041400"/>
-                <a:gd name="connsiteY6" fmla="*/ 1033877 h 1391663"/>
-                <a:gd name="connsiteX7" fmla="*/ 625639 w 1041400"/>
-                <a:gd name="connsiteY7" fmla="*/ 1030821 h 1391663"/>
-                <a:gd name="connsiteX8" fmla="*/ 1041400 w 1041400"/>
-                <a:gd name="connsiteY8" fmla="*/ 520700 h 1391663"/>
-                <a:gd name="connsiteX9" fmla="*/ 520700 w 1041400"/>
-                <a:gd name="connsiteY9" fmla="*/ 0 h 1391663"/>
-              </a:gdLst>
-              <a:ahLst/>
-              <a:cxnLst>
-                <a:cxn ang="0">
-                  <a:pos x="connsiteX0" y="connsiteY0"/>
-                </a:cxn>
-                <a:cxn ang="0">
-                  <a:pos x="connsiteX1" y="connsiteY1"/>
-                </a:cxn>
-                <a:cxn ang="0">
-                  <a:pos x="connsiteX2" y="connsiteY2"/>
-                </a:cxn>
-                <a:cxn ang="0">
-                  <a:pos x="connsiteX3" y="connsiteY3"/>
-                </a:cxn>
-                <a:cxn ang="0">
-                  <a:pos x="connsiteX4" y="connsiteY4"/>
-                </a:cxn>
-                <a:cxn ang="0">
-                  <a:pos x="connsiteX5" y="connsiteY5"/>
-                </a:cxn>
-                <a:cxn ang="0">
-                  <a:pos x="connsiteX6" y="connsiteY6"/>
-                </a:cxn>
-                <a:cxn ang="0">
-                  <a:pos x="connsiteX7" y="connsiteY7"/>
-                </a:cxn>
-                <a:cxn ang="0">
-                  <a:pos x="connsiteX8" y="connsiteY8"/>
-                </a:cxn>
-                <a:cxn ang="0">
-                  <a:pos x="connsiteX9" y="connsiteY9"/>
-                </a:cxn>
-              </a:cxnLst>
-              <a:rect l="l" t="t" r="r" b="b"/>
-              <a:pathLst>
-                <a:path w="1041400" h="1391663">
-                  <a:moveTo>
-                    <a:pt x="520700" y="0"/>
-                  </a:moveTo>
-                  <a:cubicBezTo>
-                    <a:pt x="233125" y="0"/>
-                    <a:pt x="0" y="233125"/>
-                    <a:pt x="0" y="520700"/>
-                  </a:cubicBezTo>
-                  <a:lnTo>
-                    <a:pt x="601" y="526665"/>
-                  </a:lnTo>
-                  <a:lnTo>
-                    <a:pt x="0" y="530884"/>
-                  </a:lnTo>
-                  <a:cubicBezTo>
-                    <a:pt x="1270" y="763309"/>
-                    <a:pt x="141037" y="1339599"/>
-                    <a:pt x="839841" y="1391663"/>
-                  </a:cubicBezTo>
-                  <a:cubicBezTo>
-                    <a:pt x="756282" y="1328754"/>
-                    <a:pt x="622088" y="1243235"/>
-                    <a:pt x="596988" y="1070463"/>
-                  </a:cubicBezTo>
-                  <a:lnTo>
-                    <a:pt x="595327" y="1033877"/>
-                  </a:lnTo>
-                  <a:lnTo>
-                    <a:pt x="625639" y="1030821"/>
-                  </a:lnTo>
-                  <a:cubicBezTo>
-                    <a:pt x="862914" y="982268"/>
-                    <a:pt x="1041400" y="772328"/>
-                    <a:pt x="1041400" y="520700"/>
-                  </a:cubicBezTo>
-                  <a:cubicBezTo>
-                    <a:pt x="1041400" y="233125"/>
-                    <a:pt x="808275" y="0"/>
-                    <a:pt x="520700" y="0"/>
-                  </a:cubicBezTo>
-                  <a:close/>
-                </a:path>
-              </a:pathLst>
-            </a:custGeom>
-            <a:grpFill/>
-            <a:ln>
-              <a:noFill/>
-            </a:ln>
-          </p:spPr>
-          <p:style>
-            <a:lnRef idx="2">
-              <a:schemeClr val="accent1">
-                <a:shade val="50000"/>
-              </a:schemeClr>
-            </a:lnRef>
-            <a:fillRef idx="1">
-              <a:schemeClr val="accent1"/>
-            </a:fillRef>
-            <a:effectRef idx="0">
-              <a:schemeClr val="accent1"/>
-            </a:effectRef>
-            <a:fontRef idx="minor">
-              <a:schemeClr val="lt1"/>
-            </a:fontRef>
-          </p:style>
-          <p:txBody>
-            <a:bodyPr wrap="square" rtlCol="0" anchor="ctr">
-              <a:noAutofit/>
-            </a:bodyPr>
-            <a:lstStyle/>
-            <a:p>
-              <a:pPr algn="ctr"/>
-              <a:endParaRPr lang="en-US" dirty="0"/>
-            </a:p>
-          </p:txBody>
-        </p:sp>
-        <p:sp>
-          <p:nvSpPr>
-            <p:cNvPr id="6" name="Freeform 5">
-              <a:extLst>
-                <a:ext uri="{FF2B5EF4-FFF2-40B4-BE49-F238E27FC236}">
-                  <a16:creationId xmlns:a16="http://schemas.microsoft.com/office/drawing/2014/main" id="{99EBD7AD-ED91-CC5F-0110-3EE43A60F946}"/>
-                </a:ext>
-              </a:extLst>
-            </p:cNvPr>
-            <p:cNvSpPr/>
-            <p:nvPr/>
-          </p:nvSpPr>
-          <p:spPr>
-            <a:xfrm flipH="1">
-              <a:off x="4779792" y="2384561"/>
-              <a:ext cx="1563135" cy="2088878"/>
-            </a:xfrm>
-            <a:custGeom>
-              <a:avLst/>
-              <a:gdLst>
-                <a:gd name="connsiteX0" fmla="*/ 520700 w 1041400"/>
-                <a:gd name="connsiteY0" fmla="*/ 0 h 1391663"/>
-                <a:gd name="connsiteX1" fmla="*/ 0 w 1041400"/>
-                <a:gd name="connsiteY1" fmla="*/ 520700 h 1391663"/>
-                <a:gd name="connsiteX2" fmla="*/ 601 w 1041400"/>
-                <a:gd name="connsiteY2" fmla="*/ 526665 h 1391663"/>
-                <a:gd name="connsiteX3" fmla="*/ 0 w 1041400"/>
-                <a:gd name="connsiteY3" fmla="*/ 530884 h 1391663"/>
-                <a:gd name="connsiteX4" fmla="*/ 839841 w 1041400"/>
-                <a:gd name="connsiteY4" fmla="*/ 1391663 h 1391663"/>
-                <a:gd name="connsiteX5" fmla="*/ 596988 w 1041400"/>
-                <a:gd name="connsiteY5" fmla="*/ 1070463 h 1391663"/>
-                <a:gd name="connsiteX6" fmla="*/ 595327 w 1041400"/>
-                <a:gd name="connsiteY6" fmla="*/ 1033877 h 1391663"/>
-                <a:gd name="connsiteX7" fmla="*/ 625639 w 1041400"/>
-                <a:gd name="connsiteY7" fmla="*/ 1030821 h 1391663"/>
-                <a:gd name="connsiteX8" fmla="*/ 1041400 w 1041400"/>
-                <a:gd name="connsiteY8" fmla="*/ 520700 h 1391663"/>
-                <a:gd name="connsiteX9" fmla="*/ 520700 w 1041400"/>
-                <a:gd name="connsiteY9" fmla="*/ 0 h 1391663"/>
-              </a:gdLst>
-              <a:ahLst/>
-              <a:cxnLst>
-                <a:cxn ang="0">
-                  <a:pos x="connsiteX0" y="connsiteY0"/>
-                </a:cxn>
-                <a:cxn ang="0">
-                  <a:pos x="connsiteX1" y="connsiteY1"/>
-                </a:cxn>
-                <a:cxn ang="0">
-                  <a:pos x="connsiteX2" y="connsiteY2"/>
-                </a:cxn>
-                <a:cxn ang="0">
-                  <a:pos x="connsiteX3" y="connsiteY3"/>
-                </a:cxn>
-                <a:cxn ang="0">
-                  <a:pos x="connsiteX4" y="connsiteY4"/>
-                </a:cxn>
-                <a:cxn ang="0">
-                  <a:pos x="connsiteX5" y="connsiteY5"/>
-                </a:cxn>
-                <a:cxn ang="0">
-                  <a:pos x="connsiteX6" y="connsiteY6"/>
-                </a:cxn>
-                <a:cxn ang="0">
-                  <a:pos x="connsiteX7" y="connsiteY7"/>
-                </a:cxn>
-                <a:cxn ang="0">
-                  <a:pos x="connsiteX8" y="connsiteY8"/>
-                </a:cxn>
-                <a:cxn ang="0">
-                  <a:pos x="connsiteX9" y="connsiteY9"/>
-                </a:cxn>
-              </a:cxnLst>
-              <a:rect l="l" t="t" r="r" b="b"/>
-              <a:pathLst>
-                <a:path w="1041400" h="1391663">
-                  <a:moveTo>
-                    <a:pt x="520700" y="0"/>
-                  </a:moveTo>
-                  <a:cubicBezTo>
-                    <a:pt x="233125" y="0"/>
-                    <a:pt x="0" y="233125"/>
-                    <a:pt x="0" y="520700"/>
-                  </a:cubicBezTo>
-                  <a:lnTo>
-                    <a:pt x="601" y="526665"/>
-                  </a:lnTo>
-                  <a:lnTo>
-                    <a:pt x="0" y="530884"/>
-                  </a:lnTo>
-                  <a:cubicBezTo>
-                    <a:pt x="1270" y="763309"/>
-                    <a:pt x="141037" y="1339599"/>
-                    <a:pt x="839841" y="1391663"/>
-                  </a:cubicBezTo>
-                  <a:cubicBezTo>
-                    <a:pt x="756282" y="1328754"/>
-                    <a:pt x="622088" y="1243235"/>
-                    <a:pt x="596988" y="1070463"/>
-                  </a:cubicBezTo>
-                  <a:lnTo>
-                    <a:pt x="595327" y="1033877"/>
-                  </a:lnTo>
-                  <a:lnTo>
-                    <a:pt x="625639" y="1030821"/>
-                  </a:lnTo>
-                  <a:cubicBezTo>
-                    <a:pt x="862914" y="982268"/>
-                    <a:pt x="1041400" y="772328"/>
-                    <a:pt x="1041400" y="520700"/>
-                  </a:cubicBezTo>
-                  <a:cubicBezTo>
-                    <a:pt x="1041400" y="233125"/>
-                    <a:pt x="808275" y="0"/>
-                    <a:pt x="520700" y="0"/>
-                  </a:cubicBezTo>
-                  <a:close/>
-                </a:path>
-              </a:pathLst>
-            </a:custGeom>
-            <a:grpFill/>
-            <a:ln>
-              <a:noFill/>
-            </a:ln>
-          </p:spPr>
-          <p:style>
-            <a:lnRef idx="2">
-              <a:schemeClr val="accent1">
-                <a:shade val="50000"/>
-              </a:schemeClr>
-            </a:lnRef>
-            <a:fillRef idx="1">
-              <a:schemeClr val="accent1"/>
-            </a:fillRef>
-            <a:effectRef idx="0">
-              <a:schemeClr val="accent1"/>
-            </a:effectRef>
-            <a:fontRef idx="minor">
-              <a:schemeClr val="lt1"/>
-            </a:fontRef>
-          </p:style>
-          <p:txBody>
-            <a:bodyPr wrap="square" rtlCol="0" anchor="ctr">
-              <a:noAutofit/>
-            </a:bodyPr>
-            <a:lstStyle/>
-            <a:p>
-              <a:pPr algn="ctr"/>
-              <a:endParaRPr lang="en-US" dirty="0"/>
-            </a:p>
-          </p:txBody>
-        </p:sp>
-      </p:grpSp>
-      <p:grpSp>
-        <p:nvGrpSpPr>
-          <p:cNvPr id="7" name="Group 6">
-            <a:extLst>
-              <a:ext uri="{FF2B5EF4-FFF2-40B4-BE49-F238E27FC236}">
-                <a16:creationId xmlns:a16="http://schemas.microsoft.com/office/drawing/2014/main" id="{56B0BED4-B4D2-A8C2-9E8E-FA7D1819E15A}"/>
-              </a:ext>
-              <a:ext uri="{C183D7F6-B498-43B3-948B-1728B52AA6E4}">
-                <adec:decorative xmlns:adec="http://schemas.microsoft.com/office/drawing/2017/decorative" val="1"/>
-              </a:ext>
-            </a:extLst>
-          </p:cNvPr>
-          <p:cNvGrpSpPr/>
-          <p:nvPr/>
-        </p:nvGrpSpPr>
-        <p:grpSpPr>
-          <a:xfrm>
-            <a:off x="9199707" y="3205843"/>
-            <a:ext cx="1512408" cy="938718"/>
-            <a:chOff x="4779792" y="2384561"/>
-            <a:chExt cx="3365480" cy="2088878"/>
-          </a:xfrm>
-          <a:solidFill>
-            <a:schemeClr val="accent1">
-              <a:alpha val="48174"/>
-            </a:schemeClr>
-          </a:solidFill>
-        </p:grpSpPr>
-        <p:sp>
-          <p:nvSpPr>
-            <p:cNvPr id="8" name="Freeform 1">
-              <a:extLst>
-                <a:ext uri="{FF2B5EF4-FFF2-40B4-BE49-F238E27FC236}">
-                  <a16:creationId xmlns:a16="http://schemas.microsoft.com/office/drawing/2014/main" id="{B542C6FD-B908-03BB-DE9D-1E76EE849265}"/>
-                </a:ext>
-              </a:extLst>
-            </p:cNvPr>
-            <p:cNvSpPr/>
-            <p:nvPr/>
-          </p:nvSpPr>
-          <p:spPr>
-            <a:xfrm flipH="1">
-              <a:off x="6582137" y="2384561"/>
-              <a:ext cx="1563135" cy="2088878"/>
-            </a:xfrm>
-            <a:custGeom>
-              <a:avLst/>
-              <a:gdLst>
-                <a:gd name="connsiteX0" fmla="*/ 520700 w 1041400"/>
-                <a:gd name="connsiteY0" fmla="*/ 0 h 1391663"/>
-                <a:gd name="connsiteX1" fmla="*/ 0 w 1041400"/>
-                <a:gd name="connsiteY1" fmla="*/ 520700 h 1391663"/>
-                <a:gd name="connsiteX2" fmla="*/ 601 w 1041400"/>
-                <a:gd name="connsiteY2" fmla="*/ 526665 h 1391663"/>
-                <a:gd name="connsiteX3" fmla="*/ 0 w 1041400"/>
-                <a:gd name="connsiteY3" fmla="*/ 530884 h 1391663"/>
-                <a:gd name="connsiteX4" fmla="*/ 839841 w 1041400"/>
-                <a:gd name="connsiteY4" fmla="*/ 1391663 h 1391663"/>
-                <a:gd name="connsiteX5" fmla="*/ 596988 w 1041400"/>
-                <a:gd name="connsiteY5" fmla="*/ 1070463 h 1391663"/>
-                <a:gd name="connsiteX6" fmla="*/ 595327 w 1041400"/>
-                <a:gd name="connsiteY6" fmla="*/ 1033877 h 1391663"/>
-                <a:gd name="connsiteX7" fmla="*/ 625639 w 1041400"/>
-                <a:gd name="connsiteY7" fmla="*/ 1030821 h 1391663"/>
-                <a:gd name="connsiteX8" fmla="*/ 1041400 w 1041400"/>
-                <a:gd name="connsiteY8" fmla="*/ 520700 h 1391663"/>
-                <a:gd name="connsiteX9" fmla="*/ 520700 w 1041400"/>
-                <a:gd name="connsiteY9" fmla="*/ 0 h 1391663"/>
-              </a:gdLst>
-              <a:ahLst/>
-              <a:cxnLst>
-                <a:cxn ang="0">
-                  <a:pos x="connsiteX0" y="connsiteY0"/>
-                </a:cxn>
-                <a:cxn ang="0">
-                  <a:pos x="connsiteX1" y="connsiteY1"/>
-                </a:cxn>
-                <a:cxn ang="0">
-                  <a:pos x="connsiteX2" y="connsiteY2"/>
-                </a:cxn>
-                <a:cxn ang="0">
-                  <a:pos x="connsiteX3" y="connsiteY3"/>
-                </a:cxn>
-                <a:cxn ang="0">
-                  <a:pos x="connsiteX4" y="connsiteY4"/>
-                </a:cxn>
-                <a:cxn ang="0">
-                  <a:pos x="connsiteX5" y="connsiteY5"/>
-                </a:cxn>
-                <a:cxn ang="0">
-                  <a:pos x="connsiteX6" y="connsiteY6"/>
-                </a:cxn>
-                <a:cxn ang="0">
-                  <a:pos x="connsiteX7" y="connsiteY7"/>
-                </a:cxn>
-                <a:cxn ang="0">
-                  <a:pos x="connsiteX8" y="connsiteY8"/>
-                </a:cxn>
-                <a:cxn ang="0">
-                  <a:pos x="connsiteX9" y="connsiteY9"/>
-                </a:cxn>
-              </a:cxnLst>
-              <a:rect l="l" t="t" r="r" b="b"/>
-              <a:pathLst>
-                <a:path w="1041400" h="1391663">
-                  <a:moveTo>
-                    <a:pt x="520700" y="0"/>
-                  </a:moveTo>
-                  <a:cubicBezTo>
-                    <a:pt x="233125" y="0"/>
-                    <a:pt x="0" y="233125"/>
-                    <a:pt x="0" y="520700"/>
-                  </a:cubicBezTo>
-                  <a:lnTo>
-                    <a:pt x="601" y="526665"/>
-                  </a:lnTo>
-                  <a:lnTo>
-                    <a:pt x="0" y="530884"/>
-                  </a:lnTo>
-                  <a:cubicBezTo>
-                    <a:pt x="1270" y="763309"/>
-                    <a:pt x="141037" y="1339599"/>
-                    <a:pt x="839841" y="1391663"/>
-                  </a:cubicBezTo>
-                  <a:cubicBezTo>
-                    <a:pt x="756282" y="1328754"/>
-                    <a:pt x="622088" y="1243235"/>
-                    <a:pt x="596988" y="1070463"/>
-                  </a:cubicBezTo>
-                  <a:lnTo>
-                    <a:pt x="595327" y="1033877"/>
-                  </a:lnTo>
-                  <a:lnTo>
-                    <a:pt x="625639" y="1030821"/>
-                  </a:lnTo>
-                  <a:cubicBezTo>
-                    <a:pt x="862914" y="982268"/>
-                    <a:pt x="1041400" y="772328"/>
-                    <a:pt x="1041400" y="520700"/>
-                  </a:cubicBezTo>
-                  <a:cubicBezTo>
-                    <a:pt x="1041400" y="233125"/>
-                    <a:pt x="808275" y="0"/>
-                    <a:pt x="520700" y="0"/>
-                  </a:cubicBezTo>
-                  <a:close/>
-                </a:path>
-              </a:pathLst>
-            </a:custGeom>
-            <a:grpFill/>
-            <a:ln>
-              <a:noFill/>
-            </a:ln>
-          </p:spPr>
-          <p:style>
-            <a:lnRef idx="2">
-              <a:schemeClr val="accent1">
-                <a:shade val="50000"/>
-              </a:schemeClr>
-            </a:lnRef>
-            <a:fillRef idx="1">
-              <a:schemeClr val="accent1"/>
-            </a:fillRef>
-            <a:effectRef idx="0">
-              <a:schemeClr val="accent1"/>
-            </a:effectRef>
-            <a:fontRef idx="minor">
-              <a:schemeClr val="lt1"/>
-            </a:fontRef>
-          </p:style>
-          <p:txBody>
-            <a:bodyPr wrap="square" rtlCol="0" anchor="ctr">
-              <a:noAutofit/>
-            </a:bodyPr>
-            <a:lstStyle/>
-            <a:p>
-              <a:pPr algn="ctr"/>
-              <a:endParaRPr lang="en-US" dirty="0"/>
-            </a:p>
-          </p:txBody>
-        </p:sp>
-        <p:sp>
-          <p:nvSpPr>
-            <p:cNvPr id="9" name="Freeform 21">
-              <a:extLst>
-                <a:ext uri="{FF2B5EF4-FFF2-40B4-BE49-F238E27FC236}">
-                  <a16:creationId xmlns:a16="http://schemas.microsoft.com/office/drawing/2014/main" id="{594F7F18-2B8D-7493-904B-1BD252DFC677}"/>
-                </a:ext>
-              </a:extLst>
-            </p:cNvPr>
-            <p:cNvSpPr/>
-            <p:nvPr/>
-          </p:nvSpPr>
-          <p:spPr>
-            <a:xfrm flipH="1">
-              <a:off x="4779792" y="2384561"/>
-              <a:ext cx="1563135" cy="2088878"/>
-            </a:xfrm>
-            <a:custGeom>
-              <a:avLst/>
-              <a:gdLst>
-                <a:gd name="connsiteX0" fmla="*/ 520700 w 1041400"/>
-                <a:gd name="connsiteY0" fmla="*/ 0 h 1391663"/>
-                <a:gd name="connsiteX1" fmla="*/ 0 w 1041400"/>
-                <a:gd name="connsiteY1" fmla="*/ 520700 h 1391663"/>
-                <a:gd name="connsiteX2" fmla="*/ 601 w 1041400"/>
-                <a:gd name="connsiteY2" fmla="*/ 526665 h 1391663"/>
-                <a:gd name="connsiteX3" fmla="*/ 0 w 1041400"/>
-                <a:gd name="connsiteY3" fmla="*/ 530884 h 1391663"/>
-                <a:gd name="connsiteX4" fmla="*/ 839841 w 1041400"/>
-                <a:gd name="connsiteY4" fmla="*/ 1391663 h 1391663"/>
-                <a:gd name="connsiteX5" fmla="*/ 596988 w 1041400"/>
-                <a:gd name="connsiteY5" fmla="*/ 1070463 h 1391663"/>
-                <a:gd name="connsiteX6" fmla="*/ 595327 w 1041400"/>
-                <a:gd name="connsiteY6" fmla="*/ 1033877 h 1391663"/>
-                <a:gd name="connsiteX7" fmla="*/ 625639 w 1041400"/>
-                <a:gd name="connsiteY7" fmla="*/ 1030821 h 1391663"/>
-                <a:gd name="connsiteX8" fmla="*/ 1041400 w 1041400"/>
-                <a:gd name="connsiteY8" fmla="*/ 520700 h 1391663"/>
-                <a:gd name="connsiteX9" fmla="*/ 520700 w 1041400"/>
-                <a:gd name="connsiteY9" fmla="*/ 0 h 1391663"/>
-              </a:gdLst>
-              <a:ahLst/>
-              <a:cxnLst>
-                <a:cxn ang="0">
-                  <a:pos x="connsiteX0" y="connsiteY0"/>
-                </a:cxn>
-                <a:cxn ang="0">
-                  <a:pos x="connsiteX1" y="connsiteY1"/>
-                </a:cxn>
-                <a:cxn ang="0">
-                  <a:pos x="connsiteX2" y="connsiteY2"/>
-                </a:cxn>
-                <a:cxn ang="0">
-                  <a:pos x="connsiteX3" y="connsiteY3"/>
-                </a:cxn>
-                <a:cxn ang="0">
-                  <a:pos x="connsiteX4" y="connsiteY4"/>
-                </a:cxn>
-                <a:cxn ang="0">
-                  <a:pos x="connsiteX5" y="connsiteY5"/>
-                </a:cxn>
-                <a:cxn ang="0">
-                  <a:pos x="connsiteX6" y="connsiteY6"/>
-                </a:cxn>
-                <a:cxn ang="0">
-                  <a:pos x="connsiteX7" y="connsiteY7"/>
-                </a:cxn>
-                <a:cxn ang="0">
-                  <a:pos x="connsiteX8" y="connsiteY8"/>
-                </a:cxn>
-                <a:cxn ang="0">
-                  <a:pos x="connsiteX9" y="connsiteY9"/>
-                </a:cxn>
-              </a:cxnLst>
-              <a:rect l="l" t="t" r="r" b="b"/>
-              <a:pathLst>
-                <a:path w="1041400" h="1391663">
-                  <a:moveTo>
-                    <a:pt x="520700" y="0"/>
-                  </a:moveTo>
-                  <a:cubicBezTo>
-                    <a:pt x="233125" y="0"/>
-                    <a:pt x="0" y="233125"/>
-                    <a:pt x="0" y="520700"/>
-                  </a:cubicBezTo>
-                  <a:lnTo>
-                    <a:pt x="601" y="526665"/>
-                  </a:lnTo>
-                  <a:lnTo>
-                    <a:pt x="0" y="530884"/>
-                  </a:lnTo>
-                  <a:cubicBezTo>
-                    <a:pt x="1270" y="763309"/>
-                    <a:pt x="141037" y="1339599"/>
-                    <a:pt x="839841" y="1391663"/>
-                  </a:cubicBezTo>
-                  <a:cubicBezTo>
-                    <a:pt x="756282" y="1328754"/>
-                    <a:pt x="622088" y="1243235"/>
-                    <a:pt x="596988" y="1070463"/>
-                  </a:cubicBezTo>
-                  <a:lnTo>
-                    <a:pt x="595327" y="1033877"/>
-                  </a:lnTo>
-                  <a:lnTo>
-                    <a:pt x="625639" y="1030821"/>
-                  </a:lnTo>
-                  <a:cubicBezTo>
-                    <a:pt x="862914" y="982268"/>
-                    <a:pt x="1041400" y="772328"/>
-                    <a:pt x="1041400" y="520700"/>
-                  </a:cubicBezTo>
-                  <a:cubicBezTo>
-                    <a:pt x="1041400" y="233125"/>
-                    <a:pt x="808275" y="0"/>
-                    <a:pt x="520700" y="0"/>
-                  </a:cubicBezTo>
-                  <a:close/>
-                </a:path>
-              </a:pathLst>
-            </a:custGeom>
-            <a:grpFill/>
-            <a:ln>
-              <a:noFill/>
-            </a:ln>
-          </p:spPr>
-          <p:style>
-            <a:lnRef idx="2">
-              <a:schemeClr val="accent1">
-                <a:shade val="50000"/>
-              </a:schemeClr>
-            </a:lnRef>
-            <a:fillRef idx="1">
-              <a:schemeClr val="accent1"/>
-            </a:fillRef>
-            <a:effectRef idx="0">
-              <a:schemeClr val="accent1"/>
-            </a:effectRef>
-            <a:fontRef idx="minor">
-              <a:schemeClr val="lt1"/>
-            </a:fontRef>
-          </p:style>
-          <p:txBody>
-            <a:bodyPr wrap="square" rtlCol="0" anchor="ctr">
-              <a:noAutofit/>
-            </a:bodyPr>
-            <a:lstStyle/>
-            <a:p>
-              <a:pPr algn="ctr"/>
-              <a:endParaRPr lang="en-US" dirty="0"/>
-            </a:p>
-          </p:txBody>
-        </p:sp>
-      </p:grpSp>
-      <p:sp>
-        <p:nvSpPr>
-          <p:cNvPr id="2" name="Title 1">
-            <a:extLst>
-              <a:ext uri="{FF2B5EF4-FFF2-40B4-BE49-F238E27FC236}">
-                <a16:creationId xmlns:a16="http://schemas.microsoft.com/office/drawing/2014/main" id="{D04F090D-C862-CF85-1001-A82E54365597}"/>
+      <p:sp>
+        <p:nvSpPr>
+          <p:cNvPr id="2" name="Footer Placeholder 1">
+            <a:extLst>
+              <a:ext uri="{FF2B5EF4-FFF2-40B4-BE49-F238E27FC236}">
+                <a16:creationId xmlns:a16="http://schemas.microsoft.com/office/drawing/2014/main" id="{9EE1655B-406C-0821-A9D2-8C4DCF2DEA2C}"/>
               </a:ext>
             </a:extLst>
           </p:cNvPr>
@@ -19872,7 +19170,7 @@
             <a:spLocks noGrp="1"/>
           </p:cNvSpPr>
           <p:nvPr>
-            <p:ph type="ctrTitle"/>
+            <p:ph type="ftr" sz="quarter" idx="11"/>
           </p:nvPr>
         </p:nvSpPr>
         <p:spPr/>
@@ -19881,16 +19179,76 @@
           <a:lstStyle/>
           <a:p>
             <a:r>
-              <a:rPr lang="en-US" dirty="0"/>
-              <a:t>Life is really simple, but we insist on making it complicated.</a:t>
-            </a:r>
-          </a:p>
-        </p:txBody>
-      </p:sp>
+              <a:rPr lang="en-US"/>
+              <a:t>Crypto: investing &amp; trading</a:t>
+            </a:r>
+            <a:endParaRPr lang="en-US" dirty="0"/>
+          </a:p>
+        </p:txBody>
+      </p:sp>
+      <p:sp>
+        <p:nvSpPr>
+          <p:cNvPr id="3" name="Slide Number Placeholder 2">
+            <a:extLst>
+              <a:ext uri="{FF2B5EF4-FFF2-40B4-BE49-F238E27FC236}">
+                <a16:creationId xmlns:a16="http://schemas.microsoft.com/office/drawing/2014/main" id="{52245FDF-7910-B56A-496B-BA5098560DBF}"/>
+              </a:ext>
+            </a:extLst>
+          </p:cNvPr>
+          <p:cNvSpPr>
+            <a:spLocks noGrp="1"/>
+          </p:cNvSpPr>
+          <p:nvPr>
+            <p:ph type="sldNum" sz="quarter" idx="12"/>
+          </p:nvPr>
+        </p:nvSpPr>
+        <p:spPr/>
+        <p:txBody>
+          <a:bodyPr/>
+          <a:lstStyle/>
+          <a:p>
+            <a:fld id="{294A09A9-5501-47C1-A89A-A340965A2BE2}" type="slidenum">
+              <a:rPr lang="en-US" smtClean="0"/>
+              <a:t>24</a:t>
+            </a:fld>
+            <a:endParaRPr lang="en-US" dirty="0"/>
+          </a:p>
+        </p:txBody>
+      </p:sp>
+      <p:pic>
+        <p:nvPicPr>
+          <p:cNvPr id="5" name="Picture 4">
+            <a:extLst>
+              <a:ext uri="{FF2B5EF4-FFF2-40B4-BE49-F238E27FC236}">
+                <a16:creationId xmlns:a16="http://schemas.microsoft.com/office/drawing/2014/main" id="{2BD158F7-A815-5A34-4CF9-F4023E0C712F}"/>
+              </a:ext>
+            </a:extLst>
+          </p:cNvPr>
+          <p:cNvPicPr>
+            <a:picLocks noChangeAspect="1"/>
+          </p:cNvPicPr>
+          <p:nvPr/>
+        </p:nvPicPr>
+        <p:blipFill>
+          <a:blip r:embed="rId2"/>
+          <a:stretch>
+            <a:fillRect/>
+          </a:stretch>
+        </p:blipFill>
+        <p:spPr>
+          <a:xfrm>
+            <a:off x="78658" y="1397380"/>
+            <a:ext cx="12192000" cy="3748607"/>
+          </a:xfrm>
+          <a:prstGeom prst="rect">
+            <a:avLst/>
+          </a:prstGeom>
+        </p:spPr>
+      </p:pic>
     </p:spTree>
     <p:extLst>
       <p:ext uri="{BB962C8B-B14F-4D97-AF65-F5344CB8AC3E}">
-        <p14:creationId xmlns:p14="http://schemas.microsoft.com/office/powerpoint/2010/main" val="1213210011"/>
+        <p14:creationId xmlns:p14="http://schemas.microsoft.com/office/powerpoint/2010/main" val="2661670360"/>
       </p:ext>
     </p:extLst>
   </p:cSld>
@@ -21094,6 +20452,45 @@
           </a:prstGeom>
         </p:spPr>
       </p:pic>
+      <p:sp>
+        <p:nvSpPr>
+          <p:cNvPr id="10" name="TextBox 9">
+            <a:extLst>
+              <a:ext uri="{FF2B5EF4-FFF2-40B4-BE49-F238E27FC236}">
+                <a16:creationId xmlns:a16="http://schemas.microsoft.com/office/drawing/2014/main" id="{12978697-D5D0-3313-88A3-AF0F634841D9}"/>
+              </a:ext>
+            </a:extLst>
+          </p:cNvPr>
+          <p:cNvSpPr txBox="1"/>
+          <p:nvPr/>
+        </p:nvSpPr>
+        <p:spPr>
+          <a:xfrm>
+            <a:off x="5565058" y="862030"/>
+            <a:ext cx="780663" cy="369332"/>
+          </a:xfrm>
+          <a:prstGeom prst="rect">
+            <a:avLst/>
+          </a:prstGeom>
+          <a:noFill/>
+        </p:spPr>
+        <p:txBody>
+          <a:bodyPr wrap="none" rtlCol="0">
+            <a:spAutoFit/>
+          </a:bodyPr>
+          <a:lstStyle/>
+          <a:p>
+            <a:r>
+              <a:rPr lang="en-US" dirty="0">
+                <a:solidFill>
+                  <a:schemeClr val="bg1"/>
+                </a:solidFill>
+              </a:rPr>
+              <a:t>server</a:t>
+            </a:r>
+          </a:p>
+        </p:txBody>
+      </p:sp>
     </p:spTree>
     <p:extLst>
       <p:ext uri="{BB962C8B-B14F-4D97-AF65-F5344CB8AC3E}">

--- a/Multi-Threaded_File_Server.pptx
+++ b/Multi-Threaded_File_Server.pptx
@@ -5,7 +5,7 @@
     <p:sldMasterId id="2147483648" r:id="rId4"/>
   </p:sldMasterIdLst>
   <p:notesMasterIdLst>
-    <p:notesMasterId r:id="rId30"/>
+    <p:notesMasterId r:id="rId29"/>
   </p:notesMasterIdLst>
   <p:sldIdLst>
     <p:sldId id="530" r:id="rId5"/>
@@ -20,19 +20,18 @@
     <p:sldId id="566" r:id="rId14"/>
     <p:sldId id="553" r:id="rId15"/>
     <p:sldId id="555" r:id="rId16"/>
-    <p:sldId id="554" r:id="rId17"/>
-    <p:sldId id="559" r:id="rId18"/>
-    <p:sldId id="560" r:id="rId19"/>
-    <p:sldId id="561" r:id="rId20"/>
-    <p:sldId id="562" r:id="rId21"/>
-    <p:sldId id="563" r:id="rId22"/>
-    <p:sldId id="564" r:id="rId23"/>
-    <p:sldId id="556" r:id="rId24"/>
-    <p:sldId id="557" r:id="rId25"/>
-    <p:sldId id="558" r:id="rId26"/>
-    <p:sldId id="550" r:id="rId27"/>
-    <p:sldId id="565" r:id="rId28"/>
-    <p:sldId id="544" r:id="rId29"/>
+    <p:sldId id="559" r:id="rId17"/>
+    <p:sldId id="560" r:id="rId18"/>
+    <p:sldId id="561" r:id="rId19"/>
+    <p:sldId id="562" r:id="rId20"/>
+    <p:sldId id="563" r:id="rId21"/>
+    <p:sldId id="564" r:id="rId22"/>
+    <p:sldId id="556" r:id="rId23"/>
+    <p:sldId id="557" r:id="rId24"/>
+    <p:sldId id="558" r:id="rId25"/>
+    <p:sldId id="550" r:id="rId26"/>
+    <p:sldId id="565" r:id="rId27"/>
+    <p:sldId id="544" r:id="rId28"/>
   </p:sldIdLst>
   <p:sldSz cx="12192000" cy="6858000"/>
   <p:notesSz cx="6858000" cy="9144000"/>
@@ -233,7 +232,7 @@
           <a:p>
             <a:fld id="{3F00BCFC-AFFD-334C-A183-6116BAFDF92B}" type="datetimeFigureOut">
               <a:rPr lang="en-US" smtClean="0"/>
-              <a:t>5/16/2024</a:t>
+              <a:t>5/17/2024</a:t>
             </a:fld>
             <a:endParaRPr lang="en-US" dirty="0"/>
           </a:p>
@@ -17767,40 +17766,66 @@
           <a:chExt cx="0" cy="0"/>
         </a:xfrm>
       </p:grpSpPr>
-      <p:pic>
-        <p:nvPicPr>
-          <p:cNvPr id="5" name="Picture 4">
-            <a:extLst>
-              <a:ext uri="{FF2B5EF4-FFF2-40B4-BE49-F238E27FC236}">
-                <a16:creationId xmlns:a16="http://schemas.microsoft.com/office/drawing/2014/main" id="{DF44090A-6BA9-5F27-9921-C475425CD829}"/>
-              </a:ext>
-            </a:extLst>
-          </p:cNvPr>
-          <p:cNvPicPr>
-            <a:picLocks noChangeAspect="1"/>
-          </p:cNvPicPr>
-          <p:nvPr/>
-        </p:nvPicPr>
-        <p:blipFill>
-          <a:blip r:embed="rId2"/>
-          <a:stretch>
-            <a:fillRect/>
-          </a:stretch>
-        </p:blipFill>
-        <p:spPr>
-          <a:xfrm>
-            <a:off x="0" y="1276445"/>
-            <a:ext cx="12192000" cy="4305110"/>
-          </a:xfrm>
-          <a:prstGeom prst="rect">
-            <a:avLst/>
-          </a:prstGeom>
-        </p:spPr>
-      </p:pic>
+      <p:sp>
+        <p:nvSpPr>
+          <p:cNvPr id="2" name="Title 1">
+            <a:extLst>
+              <a:ext uri="{FF2B5EF4-FFF2-40B4-BE49-F238E27FC236}">
+                <a16:creationId xmlns:a16="http://schemas.microsoft.com/office/drawing/2014/main" id="{1C20D9DD-1BD8-E089-3DAB-6A076D4EA7B8}"/>
+              </a:ext>
+            </a:extLst>
+          </p:cNvPr>
+          <p:cNvSpPr>
+            <a:spLocks noGrp="1"/>
+          </p:cNvSpPr>
+          <p:nvPr>
+            <p:ph type="ctrTitle"/>
+          </p:nvPr>
+        </p:nvSpPr>
+        <p:spPr/>
+        <p:txBody>
+          <a:bodyPr/>
+          <a:lstStyle/>
+          <a:p>
+            <a:r>
+              <a:rPr lang="en-US" dirty="0"/>
+              <a:t>CODE Review</a:t>
+            </a:r>
+          </a:p>
+        </p:txBody>
+      </p:sp>
+      <p:sp>
+        <p:nvSpPr>
+          <p:cNvPr id="3" name="Subtitle 2">
+            <a:extLst>
+              <a:ext uri="{FF2B5EF4-FFF2-40B4-BE49-F238E27FC236}">
+                <a16:creationId xmlns:a16="http://schemas.microsoft.com/office/drawing/2014/main" id="{FEA0B9A9-8A4B-2220-5094-CB216626F794}"/>
+              </a:ext>
+            </a:extLst>
+          </p:cNvPr>
+          <p:cNvSpPr>
+            <a:spLocks noGrp="1"/>
+          </p:cNvSpPr>
+          <p:nvPr>
+            <p:ph type="subTitle" idx="1"/>
+          </p:nvPr>
+        </p:nvSpPr>
+        <p:spPr/>
+        <p:txBody>
+          <a:bodyPr/>
+          <a:lstStyle/>
+          <a:p>
+            <a:r>
+              <a:rPr lang="en-US" dirty="0"/>
+              <a:t>Server</a:t>
+            </a:r>
+          </a:p>
+        </p:txBody>
+      </p:sp>
     </p:spTree>
     <p:extLst>
       <p:ext uri="{BB962C8B-B14F-4D97-AF65-F5344CB8AC3E}">
-        <p14:creationId xmlns:p14="http://schemas.microsoft.com/office/powerpoint/2010/main" val="3665970566"/>
+        <p14:creationId xmlns:p14="http://schemas.microsoft.com/office/powerpoint/2010/main" val="3498790951"/>
       </p:ext>
     </p:extLst>
   </p:cSld>
@@ -17829,10 +17854,10 @@
       </p:grpSpPr>
       <p:sp>
         <p:nvSpPr>
-          <p:cNvPr id="2" name="Title 1">
-            <a:extLst>
-              <a:ext uri="{FF2B5EF4-FFF2-40B4-BE49-F238E27FC236}">
-                <a16:creationId xmlns:a16="http://schemas.microsoft.com/office/drawing/2014/main" id="{1C20D9DD-1BD8-E089-3DAB-6A076D4EA7B8}"/>
+          <p:cNvPr id="2" name="Footer Placeholder 1">
+            <a:extLst>
+              <a:ext uri="{FF2B5EF4-FFF2-40B4-BE49-F238E27FC236}">
+                <a16:creationId xmlns:a16="http://schemas.microsoft.com/office/drawing/2014/main" id="{BF415793-D612-8792-4853-636CC272DBE8}"/>
               </a:ext>
             </a:extLst>
           </p:cNvPr>
@@ -17840,7 +17865,7 @@
             <a:spLocks noGrp="1"/>
           </p:cNvSpPr>
           <p:nvPr>
-            <p:ph type="ctrTitle"/>
+            <p:ph type="ftr" sz="quarter" idx="11"/>
           </p:nvPr>
         </p:nvSpPr>
         <p:spPr/>
@@ -17849,18 +17874,19 @@
           <a:lstStyle/>
           <a:p>
             <a:r>
-              <a:rPr lang="en-US" dirty="0"/>
-              <a:t>CODE Review</a:t>
-            </a:r>
-          </a:p>
-        </p:txBody>
-      </p:sp>
-      <p:sp>
-        <p:nvSpPr>
-          <p:cNvPr id="3" name="Subtitle 2">
-            <a:extLst>
-              <a:ext uri="{FF2B5EF4-FFF2-40B4-BE49-F238E27FC236}">
-                <a16:creationId xmlns:a16="http://schemas.microsoft.com/office/drawing/2014/main" id="{FEA0B9A9-8A4B-2220-5094-CB216626F794}"/>
+              <a:rPr lang="en-US"/>
+              <a:t>Crypto: investing &amp; trading</a:t>
+            </a:r>
+            <a:endParaRPr lang="en-US" dirty="0"/>
+          </a:p>
+        </p:txBody>
+      </p:sp>
+      <p:sp>
+        <p:nvSpPr>
+          <p:cNvPr id="3" name="Slide Number Placeholder 2">
+            <a:extLst>
+              <a:ext uri="{FF2B5EF4-FFF2-40B4-BE49-F238E27FC236}">
+                <a16:creationId xmlns:a16="http://schemas.microsoft.com/office/drawing/2014/main" id="{C2494906-C61A-3970-D405-D3B14C2BD2BC}"/>
               </a:ext>
             </a:extLst>
           </p:cNvPr>
@@ -17868,7 +17894,7 @@
             <a:spLocks noGrp="1"/>
           </p:cNvSpPr>
           <p:nvPr>
-            <p:ph type="subTitle" idx="1"/>
+            <p:ph type="sldNum" sz="quarter" idx="12"/>
           </p:nvPr>
         </p:nvSpPr>
         <p:spPr/>
@@ -17876,17 +17902,48 @@
           <a:bodyPr/>
           <a:lstStyle/>
           <a:p>
-            <a:r>
-              <a:rPr lang="en-US" dirty="0"/>
-              <a:t>Server</a:t>
-            </a:r>
-          </a:p>
-        </p:txBody>
-      </p:sp>
+            <a:fld id="{294A09A9-5501-47C1-A89A-A340965A2BE2}" type="slidenum">
+              <a:rPr lang="en-US" smtClean="0"/>
+              <a:t>14</a:t>
+            </a:fld>
+            <a:endParaRPr lang="en-US" dirty="0"/>
+          </a:p>
+        </p:txBody>
+      </p:sp>
+      <p:pic>
+        <p:nvPicPr>
+          <p:cNvPr id="5" name="Picture 4">
+            <a:extLst>
+              <a:ext uri="{FF2B5EF4-FFF2-40B4-BE49-F238E27FC236}">
+                <a16:creationId xmlns:a16="http://schemas.microsoft.com/office/drawing/2014/main" id="{FC053470-A085-7547-0417-85377FBCEF9F}"/>
+              </a:ext>
+            </a:extLst>
+          </p:cNvPr>
+          <p:cNvPicPr>
+            <a:picLocks noChangeAspect="1"/>
+          </p:cNvPicPr>
+          <p:nvPr/>
+        </p:nvPicPr>
+        <p:blipFill>
+          <a:blip r:embed="rId2"/>
+          <a:stretch>
+            <a:fillRect/>
+          </a:stretch>
+        </p:blipFill>
+        <p:spPr>
+          <a:xfrm>
+            <a:off x="737419" y="0"/>
+            <a:ext cx="10049715" cy="6858000"/>
+          </a:xfrm>
+          <a:prstGeom prst="rect">
+            <a:avLst/>
+          </a:prstGeom>
+        </p:spPr>
+      </p:pic>
     </p:spTree>
     <p:extLst>
       <p:ext uri="{BB962C8B-B14F-4D97-AF65-F5344CB8AC3E}">
-        <p14:creationId xmlns:p14="http://schemas.microsoft.com/office/powerpoint/2010/main" val="3498790951"/>
+        <p14:creationId xmlns:p14="http://schemas.microsoft.com/office/powerpoint/2010/main" val="2209801142"/>
       </p:ext>
     </p:extLst>
   </p:cSld>
@@ -17918,7 +17975,7 @@
           <p:cNvPr id="2" name="Footer Placeholder 1">
             <a:extLst>
               <a:ext uri="{FF2B5EF4-FFF2-40B4-BE49-F238E27FC236}">
-                <a16:creationId xmlns:a16="http://schemas.microsoft.com/office/drawing/2014/main" id="{BF415793-D612-8792-4853-636CC272DBE8}"/>
+                <a16:creationId xmlns:a16="http://schemas.microsoft.com/office/drawing/2014/main" id="{F576F7A2-B6E1-3857-CEBC-0106DC0F085B}"/>
               </a:ext>
             </a:extLst>
           </p:cNvPr>
@@ -17947,7 +18004,7 @@
           <p:cNvPr id="3" name="Slide Number Placeholder 2">
             <a:extLst>
               <a:ext uri="{FF2B5EF4-FFF2-40B4-BE49-F238E27FC236}">
-                <a16:creationId xmlns:a16="http://schemas.microsoft.com/office/drawing/2014/main" id="{C2494906-C61A-3970-D405-D3B14C2BD2BC}"/>
+                <a16:creationId xmlns:a16="http://schemas.microsoft.com/office/drawing/2014/main" id="{3AF26D42-B51A-8F08-4AAA-1562349D196F}"/>
               </a:ext>
             </a:extLst>
           </p:cNvPr>
@@ -17976,7 +18033,7 @@
           <p:cNvPr id="5" name="Picture 4">
             <a:extLst>
               <a:ext uri="{FF2B5EF4-FFF2-40B4-BE49-F238E27FC236}">
-                <a16:creationId xmlns:a16="http://schemas.microsoft.com/office/drawing/2014/main" id="{FC053470-A085-7547-0417-85377FBCEF9F}"/>
+                <a16:creationId xmlns:a16="http://schemas.microsoft.com/office/drawing/2014/main" id="{5B421E17-51A4-12CB-720C-3C8480B1A5FA}"/>
               </a:ext>
             </a:extLst>
           </p:cNvPr>
@@ -17993,8 +18050,8 @@
         </p:blipFill>
         <p:spPr>
           <a:xfrm>
-            <a:off x="737419" y="0"/>
-            <a:ext cx="10049715" cy="6858000"/>
+            <a:off x="850392" y="0"/>
+            <a:ext cx="10386598" cy="6858000"/>
           </a:xfrm>
           <a:prstGeom prst="rect">
             <a:avLst/>
@@ -18004,7 +18061,7 @@
     </p:spTree>
     <p:extLst>
       <p:ext uri="{BB962C8B-B14F-4D97-AF65-F5344CB8AC3E}">
-        <p14:creationId xmlns:p14="http://schemas.microsoft.com/office/powerpoint/2010/main" val="2209801142"/>
+        <p14:creationId xmlns:p14="http://schemas.microsoft.com/office/powerpoint/2010/main" val="3952673360"/>
       </p:ext>
     </p:extLst>
   </p:cSld>
@@ -18036,7 +18093,7 @@
           <p:cNvPr id="2" name="Footer Placeholder 1">
             <a:extLst>
               <a:ext uri="{FF2B5EF4-FFF2-40B4-BE49-F238E27FC236}">
-                <a16:creationId xmlns:a16="http://schemas.microsoft.com/office/drawing/2014/main" id="{F576F7A2-B6E1-3857-CEBC-0106DC0F085B}"/>
+                <a16:creationId xmlns:a16="http://schemas.microsoft.com/office/drawing/2014/main" id="{E5D34119-7CF5-0212-A0B1-156D6F5FAF02}"/>
               </a:ext>
             </a:extLst>
           </p:cNvPr>
@@ -18065,7 +18122,7 @@
           <p:cNvPr id="3" name="Slide Number Placeholder 2">
             <a:extLst>
               <a:ext uri="{FF2B5EF4-FFF2-40B4-BE49-F238E27FC236}">
-                <a16:creationId xmlns:a16="http://schemas.microsoft.com/office/drawing/2014/main" id="{3AF26D42-B51A-8F08-4AAA-1562349D196F}"/>
+                <a16:creationId xmlns:a16="http://schemas.microsoft.com/office/drawing/2014/main" id="{5B8A39FD-C73B-7A65-5F06-5797281F5905}"/>
               </a:ext>
             </a:extLst>
           </p:cNvPr>
@@ -18094,7 +18151,7 @@
           <p:cNvPr id="5" name="Picture 4">
             <a:extLst>
               <a:ext uri="{FF2B5EF4-FFF2-40B4-BE49-F238E27FC236}">
-                <a16:creationId xmlns:a16="http://schemas.microsoft.com/office/drawing/2014/main" id="{5B421E17-51A4-12CB-720C-3C8480B1A5FA}"/>
+                <a16:creationId xmlns:a16="http://schemas.microsoft.com/office/drawing/2014/main" id="{96395761-A8DD-0BAA-216D-85D4EC32B31E}"/>
               </a:ext>
             </a:extLst>
           </p:cNvPr>
@@ -18111,8 +18168,8 @@
         </p:blipFill>
         <p:spPr>
           <a:xfrm>
-            <a:off x="850392" y="0"/>
-            <a:ext cx="10386598" cy="6858000"/>
+            <a:off x="983225" y="0"/>
+            <a:ext cx="10424160" cy="6858000"/>
           </a:xfrm>
           <a:prstGeom prst="rect">
             <a:avLst/>
@@ -18122,7 +18179,7 @@
     </p:spTree>
     <p:extLst>
       <p:ext uri="{BB962C8B-B14F-4D97-AF65-F5344CB8AC3E}">
-        <p14:creationId xmlns:p14="http://schemas.microsoft.com/office/powerpoint/2010/main" val="3952673360"/>
+        <p14:creationId xmlns:p14="http://schemas.microsoft.com/office/powerpoint/2010/main" val="392587422"/>
       </p:ext>
     </p:extLst>
   </p:cSld>
@@ -18151,39 +18208,10 @@
       </p:grpSpPr>
       <p:sp>
         <p:nvSpPr>
-          <p:cNvPr id="2" name="Footer Placeholder 1">
-            <a:extLst>
-              <a:ext uri="{FF2B5EF4-FFF2-40B4-BE49-F238E27FC236}">
-                <a16:creationId xmlns:a16="http://schemas.microsoft.com/office/drawing/2014/main" id="{E5D34119-7CF5-0212-A0B1-156D6F5FAF02}"/>
-              </a:ext>
-            </a:extLst>
-          </p:cNvPr>
-          <p:cNvSpPr>
-            <a:spLocks noGrp="1"/>
-          </p:cNvSpPr>
-          <p:nvPr>
-            <p:ph type="ftr" sz="quarter" idx="11"/>
-          </p:nvPr>
-        </p:nvSpPr>
-        <p:spPr/>
-        <p:txBody>
-          <a:bodyPr/>
-          <a:lstStyle/>
-          <a:p>
-            <a:r>
-              <a:rPr lang="en-US"/>
-              <a:t>Crypto: investing &amp; trading</a:t>
-            </a:r>
-            <a:endParaRPr lang="en-US" dirty="0"/>
-          </a:p>
-        </p:txBody>
-      </p:sp>
-      <p:sp>
-        <p:nvSpPr>
           <p:cNvPr id="3" name="Slide Number Placeholder 2">
             <a:extLst>
               <a:ext uri="{FF2B5EF4-FFF2-40B4-BE49-F238E27FC236}">
-                <a16:creationId xmlns:a16="http://schemas.microsoft.com/office/drawing/2014/main" id="{5B8A39FD-C73B-7A65-5F06-5797281F5905}"/>
+                <a16:creationId xmlns:a16="http://schemas.microsoft.com/office/drawing/2014/main" id="{8EA10E49-45A8-F662-5239-9CFFE9B3AE4F}"/>
               </a:ext>
             </a:extLst>
           </p:cNvPr>
@@ -18212,7 +18240,7 @@
           <p:cNvPr id="5" name="Picture 4">
             <a:extLst>
               <a:ext uri="{FF2B5EF4-FFF2-40B4-BE49-F238E27FC236}">
-                <a16:creationId xmlns:a16="http://schemas.microsoft.com/office/drawing/2014/main" id="{96395761-A8DD-0BAA-216D-85D4EC32B31E}"/>
+                <a16:creationId xmlns:a16="http://schemas.microsoft.com/office/drawing/2014/main" id="{5EE94D36-E409-9183-DEF8-BD00F7DCCF40}"/>
               </a:ext>
             </a:extLst>
           </p:cNvPr>
@@ -18229,8 +18257,8 @@
         </p:blipFill>
         <p:spPr>
           <a:xfrm>
-            <a:off x="983225" y="0"/>
-            <a:ext cx="10424160" cy="6858000"/>
+            <a:off x="0" y="58704"/>
+            <a:ext cx="12192000" cy="6740592"/>
           </a:xfrm>
           <a:prstGeom prst="rect">
             <a:avLst/>
@@ -18240,7 +18268,7 @@
     </p:spTree>
     <p:extLst>
       <p:ext uri="{BB962C8B-B14F-4D97-AF65-F5344CB8AC3E}">
-        <p14:creationId xmlns:p14="http://schemas.microsoft.com/office/powerpoint/2010/main" val="392587422"/>
+        <p14:creationId xmlns:p14="http://schemas.microsoft.com/office/powerpoint/2010/main" val="1094164110"/>
       </p:ext>
     </p:extLst>
   </p:cSld>
@@ -18269,10 +18297,39 @@
       </p:grpSpPr>
       <p:sp>
         <p:nvSpPr>
+          <p:cNvPr id="2" name="Footer Placeholder 1">
+            <a:extLst>
+              <a:ext uri="{FF2B5EF4-FFF2-40B4-BE49-F238E27FC236}">
+                <a16:creationId xmlns:a16="http://schemas.microsoft.com/office/drawing/2014/main" id="{8F1692EB-DFC6-6F71-CFFF-8B70D98E6E25}"/>
+              </a:ext>
+            </a:extLst>
+          </p:cNvPr>
+          <p:cNvSpPr>
+            <a:spLocks noGrp="1"/>
+          </p:cNvSpPr>
+          <p:nvPr>
+            <p:ph type="ftr" sz="quarter" idx="11"/>
+          </p:nvPr>
+        </p:nvSpPr>
+        <p:spPr/>
+        <p:txBody>
+          <a:bodyPr/>
+          <a:lstStyle/>
+          <a:p>
+            <a:r>
+              <a:rPr lang="en-US"/>
+              <a:t>Crypto: investing &amp; trading</a:t>
+            </a:r>
+            <a:endParaRPr lang="en-US" dirty="0"/>
+          </a:p>
+        </p:txBody>
+      </p:sp>
+      <p:sp>
+        <p:nvSpPr>
           <p:cNvPr id="3" name="Slide Number Placeholder 2">
             <a:extLst>
               <a:ext uri="{FF2B5EF4-FFF2-40B4-BE49-F238E27FC236}">
-                <a16:creationId xmlns:a16="http://schemas.microsoft.com/office/drawing/2014/main" id="{8EA10E49-45A8-F662-5239-9CFFE9B3AE4F}"/>
+                <a16:creationId xmlns:a16="http://schemas.microsoft.com/office/drawing/2014/main" id="{2C68310B-4195-8492-49C4-A50E5E4B6003}"/>
               </a:ext>
             </a:extLst>
           </p:cNvPr>
@@ -18301,7 +18358,7 @@
           <p:cNvPr id="5" name="Picture 4">
             <a:extLst>
               <a:ext uri="{FF2B5EF4-FFF2-40B4-BE49-F238E27FC236}">
-                <a16:creationId xmlns:a16="http://schemas.microsoft.com/office/drawing/2014/main" id="{5EE94D36-E409-9183-DEF8-BD00F7DCCF40}"/>
+                <a16:creationId xmlns:a16="http://schemas.microsoft.com/office/drawing/2014/main" id="{EAF026C0-0584-3274-5FA2-01E0565324E1}"/>
               </a:ext>
             </a:extLst>
           </p:cNvPr>
@@ -18318,8 +18375,8 @@
         </p:blipFill>
         <p:spPr>
           <a:xfrm>
-            <a:off x="0" y="58704"/>
-            <a:ext cx="12192000" cy="6740592"/>
+            <a:off x="715628" y="722376"/>
+            <a:ext cx="10939615" cy="5062350"/>
           </a:xfrm>
           <a:prstGeom prst="rect">
             <a:avLst/>
@@ -18329,7 +18386,7 @@
     </p:spTree>
     <p:extLst>
       <p:ext uri="{BB962C8B-B14F-4D97-AF65-F5344CB8AC3E}">
-        <p14:creationId xmlns:p14="http://schemas.microsoft.com/office/powerpoint/2010/main" val="1094164110"/>
+        <p14:creationId xmlns:p14="http://schemas.microsoft.com/office/powerpoint/2010/main" val="2965073086"/>
       </p:ext>
     </p:extLst>
   </p:cSld>
@@ -18358,10 +18415,10 @@
       </p:grpSpPr>
       <p:sp>
         <p:nvSpPr>
-          <p:cNvPr id="2" name="Footer Placeholder 1">
-            <a:extLst>
-              <a:ext uri="{FF2B5EF4-FFF2-40B4-BE49-F238E27FC236}">
-                <a16:creationId xmlns:a16="http://schemas.microsoft.com/office/drawing/2014/main" id="{8F1692EB-DFC6-6F71-CFFF-8B70D98E6E25}"/>
+          <p:cNvPr id="2" name="Title 1">
+            <a:extLst>
+              <a:ext uri="{FF2B5EF4-FFF2-40B4-BE49-F238E27FC236}">
+                <a16:creationId xmlns:a16="http://schemas.microsoft.com/office/drawing/2014/main" id="{1C20D9DD-1BD8-E089-3DAB-6A076D4EA7B8}"/>
               </a:ext>
             </a:extLst>
           </p:cNvPr>
@@ -18369,7 +18426,7 @@
             <a:spLocks noGrp="1"/>
           </p:cNvSpPr>
           <p:nvPr>
-            <p:ph type="ftr" sz="quarter" idx="11"/>
+            <p:ph type="ctrTitle"/>
           </p:nvPr>
         </p:nvSpPr>
         <p:spPr/>
@@ -18378,19 +18435,18 @@
           <a:lstStyle/>
           <a:p>
             <a:r>
-              <a:rPr lang="en-US"/>
-              <a:t>Crypto: investing &amp; trading</a:t>
-            </a:r>
-            <a:endParaRPr lang="en-US" dirty="0"/>
-          </a:p>
-        </p:txBody>
-      </p:sp>
-      <p:sp>
-        <p:nvSpPr>
-          <p:cNvPr id="3" name="Slide Number Placeholder 2">
-            <a:extLst>
-              <a:ext uri="{FF2B5EF4-FFF2-40B4-BE49-F238E27FC236}">
-                <a16:creationId xmlns:a16="http://schemas.microsoft.com/office/drawing/2014/main" id="{2C68310B-4195-8492-49C4-A50E5E4B6003}"/>
+              <a:rPr lang="en-US" dirty="0"/>
+              <a:t>CODE Review</a:t>
+            </a:r>
+          </a:p>
+        </p:txBody>
+      </p:sp>
+      <p:sp>
+        <p:nvSpPr>
+          <p:cNvPr id="3" name="Subtitle 2">
+            <a:extLst>
+              <a:ext uri="{FF2B5EF4-FFF2-40B4-BE49-F238E27FC236}">
+                <a16:creationId xmlns:a16="http://schemas.microsoft.com/office/drawing/2014/main" id="{FEA0B9A9-8A4B-2220-5094-CB216626F794}"/>
               </a:ext>
             </a:extLst>
           </p:cNvPr>
@@ -18398,7 +18454,7 @@
             <a:spLocks noGrp="1"/>
           </p:cNvSpPr>
           <p:nvPr>
-            <p:ph type="sldNum" sz="quarter" idx="12"/>
+            <p:ph type="subTitle" idx="1"/>
           </p:nvPr>
         </p:nvSpPr>
         <p:spPr/>
@@ -18406,48 +18462,17 @@
           <a:bodyPr/>
           <a:lstStyle/>
           <a:p>
-            <a:fld id="{294A09A9-5501-47C1-A89A-A340965A2BE2}" type="slidenum">
-              <a:rPr lang="en-US" smtClean="0"/>
-              <a:t>19</a:t>
-            </a:fld>
-            <a:endParaRPr lang="en-US" dirty="0"/>
-          </a:p>
-        </p:txBody>
-      </p:sp>
-      <p:pic>
-        <p:nvPicPr>
-          <p:cNvPr id="5" name="Picture 4">
-            <a:extLst>
-              <a:ext uri="{FF2B5EF4-FFF2-40B4-BE49-F238E27FC236}">
-                <a16:creationId xmlns:a16="http://schemas.microsoft.com/office/drawing/2014/main" id="{EAF026C0-0584-3274-5FA2-01E0565324E1}"/>
-              </a:ext>
-            </a:extLst>
-          </p:cNvPr>
-          <p:cNvPicPr>
-            <a:picLocks noChangeAspect="1"/>
-          </p:cNvPicPr>
-          <p:nvPr/>
-        </p:nvPicPr>
-        <p:blipFill>
-          <a:blip r:embed="rId2"/>
-          <a:stretch>
-            <a:fillRect/>
-          </a:stretch>
-        </p:blipFill>
-        <p:spPr>
-          <a:xfrm>
-            <a:off x="715628" y="722376"/>
-            <a:ext cx="10939615" cy="5062350"/>
-          </a:xfrm>
-          <a:prstGeom prst="rect">
-            <a:avLst/>
-          </a:prstGeom>
-        </p:spPr>
-      </p:pic>
+            <a:r>
+              <a:rPr lang="en-US" dirty="0"/>
+              <a:t>Client</a:t>
+            </a:r>
+          </a:p>
+        </p:txBody>
+      </p:sp>
     </p:spTree>
     <p:extLst>
       <p:ext uri="{BB962C8B-B14F-4D97-AF65-F5344CB8AC3E}">
-        <p14:creationId xmlns:p14="http://schemas.microsoft.com/office/powerpoint/2010/main" val="2965073086"/>
+        <p14:creationId xmlns:p14="http://schemas.microsoft.com/office/powerpoint/2010/main" val="484909808"/>
       </p:ext>
     </p:extLst>
   </p:cSld>
@@ -18744,10 +18769,10 @@
       </p:grpSpPr>
       <p:sp>
         <p:nvSpPr>
-          <p:cNvPr id="2" name="Title 1">
-            <a:extLst>
-              <a:ext uri="{FF2B5EF4-FFF2-40B4-BE49-F238E27FC236}">
-                <a16:creationId xmlns:a16="http://schemas.microsoft.com/office/drawing/2014/main" id="{1C20D9DD-1BD8-E089-3DAB-6A076D4EA7B8}"/>
+          <p:cNvPr id="2" name="Footer Placeholder 1">
+            <a:extLst>
+              <a:ext uri="{FF2B5EF4-FFF2-40B4-BE49-F238E27FC236}">
+                <a16:creationId xmlns:a16="http://schemas.microsoft.com/office/drawing/2014/main" id="{BDD96C8B-76B9-C6B9-BADC-399D9A02870D}"/>
               </a:ext>
             </a:extLst>
           </p:cNvPr>
@@ -18755,7 +18780,7 @@
             <a:spLocks noGrp="1"/>
           </p:cNvSpPr>
           <p:nvPr>
-            <p:ph type="ctrTitle"/>
+            <p:ph type="ftr" sz="quarter" idx="11"/>
           </p:nvPr>
         </p:nvSpPr>
         <p:spPr/>
@@ -18764,18 +18789,19 @@
           <a:lstStyle/>
           <a:p>
             <a:r>
-              <a:rPr lang="en-US" dirty="0"/>
-              <a:t>CODE Review</a:t>
-            </a:r>
-          </a:p>
-        </p:txBody>
-      </p:sp>
-      <p:sp>
-        <p:nvSpPr>
-          <p:cNvPr id="3" name="Subtitle 2">
-            <a:extLst>
-              <a:ext uri="{FF2B5EF4-FFF2-40B4-BE49-F238E27FC236}">
-                <a16:creationId xmlns:a16="http://schemas.microsoft.com/office/drawing/2014/main" id="{FEA0B9A9-8A4B-2220-5094-CB216626F794}"/>
+              <a:rPr lang="en-US"/>
+              <a:t>Crypto: investing &amp; trading</a:t>
+            </a:r>
+            <a:endParaRPr lang="en-US" dirty="0"/>
+          </a:p>
+        </p:txBody>
+      </p:sp>
+      <p:sp>
+        <p:nvSpPr>
+          <p:cNvPr id="3" name="Slide Number Placeholder 2">
+            <a:extLst>
+              <a:ext uri="{FF2B5EF4-FFF2-40B4-BE49-F238E27FC236}">
+                <a16:creationId xmlns:a16="http://schemas.microsoft.com/office/drawing/2014/main" id="{BA2745ED-7E67-03E1-C4A4-EDCE097BA1CF}"/>
               </a:ext>
             </a:extLst>
           </p:cNvPr>
@@ -18783,7 +18809,7 @@
             <a:spLocks noGrp="1"/>
           </p:cNvSpPr>
           <p:nvPr>
-            <p:ph type="subTitle" idx="1"/>
+            <p:ph type="sldNum" sz="quarter" idx="12"/>
           </p:nvPr>
         </p:nvSpPr>
         <p:spPr/>
@@ -18791,17 +18817,78 @@
           <a:bodyPr/>
           <a:lstStyle/>
           <a:p>
-            <a:r>
-              <a:rPr lang="en-US" dirty="0"/>
-              <a:t>Client</a:t>
-            </a:r>
-          </a:p>
-        </p:txBody>
-      </p:sp>
+            <a:fld id="{294A09A9-5501-47C1-A89A-A340965A2BE2}" type="slidenum">
+              <a:rPr lang="en-US" smtClean="0"/>
+              <a:t>20</a:t>
+            </a:fld>
+            <a:endParaRPr lang="en-US" dirty="0"/>
+          </a:p>
+        </p:txBody>
+      </p:sp>
+      <p:pic>
+        <p:nvPicPr>
+          <p:cNvPr id="5" name="Picture 4">
+            <a:extLst>
+              <a:ext uri="{FF2B5EF4-FFF2-40B4-BE49-F238E27FC236}">
+                <a16:creationId xmlns:a16="http://schemas.microsoft.com/office/drawing/2014/main" id="{1BCAD0DB-85ED-5574-CAFA-BE0721DE1E36}"/>
+              </a:ext>
+            </a:extLst>
+          </p:cNvPr>
+          <p:cNvPicPr>
+            <a:picLocks noChangeAspect="1"/>
+          </p:cNvPicPr>
+          <p:nvPr/>
+        </p:nvPicPr>
+        <p:blipFill>
+          <a:blip r:embed="rId2"/>
+          <a:stretch>
+            <a:fillRect/>
+          </a:stretch>
+        </p:blipFill>
+        <p:spPr>
+          <a:xfrm>
+            <a:off x="0" y="0"/>
+            <a:ext cx="5704649" cy="6858000"/>
+          </a:xfrm>
+          <a:prstGeom prst="rect">
+            <a:avLst/>
+          </a:prstGeom>
+        </p:spPr>
+      </p:pic>
+      <p:pic>
+        <p:nvPicPr>
+          <p:cNvPr id="7" name="Picture 6">
+            <a:extLst>
+              <a:ext uri="{FF2B5EF4-FFF2-40B4-BE49-F238E27FC236}">
+                <a16:creationId xmlns:a16="http://schemas.microsoft.com/office/drawing/2014/main" id="{86285F7D-403F-38A0-FACE-DB905D07C1DE}"/>
+              </a:ext>
+            </a:extLst>
+          </p:cNvPr>
+          <p:cNvPicPr>
+            <a:picLocks noChangeAspect="1"/>
+          </p:cNvPicPr>
+          <p:nvPr/>
+        </p:nvPicPr>
+        <p:blipFill>
+          <a:blip r:embed="rId3"/>
+          <a:stretch>
+            <a:fillRect/>
+          </a:stretch>
+        </p:blipFill>
+        <p:spPr>
+          <a:xfrm>
+            <a:off x="4903724" y="0"/>
+            <a:ext cx="8559209" cy="6858000"/>
+          </a:xfrm>
+          <a:prstGeom prst="rect">
+            <a:avLst/>
+          </a:prstGeom>
+        </p:spPr>
+      </p:pic>
     </p:spTree>
     <p:extLst>
       <p:ext uri="{BB962C8B-B14F-4D97-AF65-F5344CB8AC3E}">
-        <p14:creationId xmlns:p14="http://schemas.microsoft.com/office/powerpoint/2010/main" val="484909808"/>
+        <p14:creationId xmlns:p14="http://schemas.microsoft.com/office/powerpoint/2010/main" val="3845228038"/>
       </p:ext>
     </p:extLst>
   </p:cSld>
@@ -18833,7 +18920,7 @@
           <p:cNvPr id="2" name="Footer Placeholder 1">
             <a:extLst>
               <a:ext uri="{FF2B5EF4-FFF2-40B4-BE49-F238E27FC236}">
-                <a16:creationId xmlns:a16="http://schemas.microsoft.com/office/drawing/2014/main" id="{BDD96C8B-76B9-C6B9-BADC-399D9A02870D}"/>
+                <a16:creationId xmlns:a16="http://schemas.microsoft.com/office/drawing/2014/main" id="{DE823308-7EC8-D90F-E456-4EA125E1E008}"/>
               </a:ext>
             </a:extLst>
           </p:cNvPr>
@@ -18862,7 +18949,7 @@
           <p:cNvPr id="3" name="Slide Number Placeholder 2">
             <a:extLst>
               <a:ext uri="{FF2B5EF4-FFF2-40B4-BE49-F238E27FC236}">
-                <a16:creationId xmlns:a16="http://schemas.microsoft.com/office/drawing/2014/main" id="{BA2745ED-7E67-03E1-C4A4-EDCE097BA1CF}"/>
+                <a16:creationId xmlns:a16="http://schemas.microsoft.com/office/drawing/2014/main" id="{F340FAED-CFFF-4CD7-D071-9BEBC7854510}"/>
               </a:ext>
             </a:extLst>
           </p:cNvPr>
@@ -18891,7 +18978,7 @@
           <p:cNvPr id="5" name="Picture 4">
             <a:extLst>
               <a:ext uri="{FF2B5EF4-FFF2-40B4-BE49-F238E27FC236}">
-                <a16:creationId xmlns:a16="http://schemas.microsoft.com/office/drawing/2014/main" id="{1BCAD0DB-85ED-5574-CAFA-BE0721DE1E36}"/>
+                <a16:creationId xmlns:a16="http://schemas.microsoft.com/office/drawing/2014/main" id="{81D56E9C-B910-E36B-52D6-A152CAAE2B3D}"/>
               </a:ext>
             </a:extLst>
           </p:cNvPr>
@@ -18908,38 +18995,8 @@
         </p:blipFill>
         <p:spPr>
           <a:xfrm>
-            <a:off x="0" y="0"/>
-            <a:ext cx="5704649" cy="6858000"/>
-          </a:xfrm>
-          <a:prstGeom prst="rect">
-            <a:avLst/>
-          </a:prstGeom>
-        </p:spPr>
-      </p:pic>
-      <p:pic>
-        <p:nvPicPr>
-          <p:cNvPr id="7" name="Picture 6">
-            <a:extLst>
-              <a:ext uri="{FF2B5EF4-FFF2-40B4-BE49-F238E27FC236}">
-                <a16:creationId xmlns:a16="http://schemas.microsoft.com/office/drawing/2014/main" id="{86285F7D-403F-38A0-FACE-DB905D07C1DE}"/>
-              </a:ext>
-            </a:extLst>
-          </p:cNvPr>
-          <p:cNvPicPr>
-            <a:picLocks noChangeAspect="1"/>
-          </p:cNvPicPr>
-          <p:nvPr/>
-        </p:nvPicPr>
-        <p:blipFill>
-          <a:blip r:embed="rId3"/>
-          <a:stretch>
-            <a:fillRect/>
-          </a:stretch>
-        </p:blipFill>
-        <p:spPr>
-          <a:xfrm>
-            <a:off x="4903724" y="0"/>
-            <a:ext cx="8559209" cy="6858000"/>
+            <a:off x="850392" y="566928"/>
+            <a:ext cx="10317015" cy="5391902"/>
           </a:xfrm>
           <a:prstGeom prst="rect">
             <a:avLst/>
@@ -18949,7 +19006,7 @@
     </p:spTree>
     <p:extLst>
       <p:ext uri="{BB962C8B-B14F-4D97-AF65-F5344CB8AC3E}">
-        <p14:creationId xmlns:p14="http://schemas.microsoft.com/office/powerpoint/2010/main" val="3845228038"/>
+        <p14:creationId xmlns:p14="http://schemas.microsoft.com/office/powerpoint/2010/main" val="2413272842"/>
       </p:ext>
     </p:extLst>
   </p:cSld>
@@ -18978,10 +19035,10 @@
       </p:grpSpPr>
       <p:sp>
         <p:nvSpPr>
-          <p:cNvPr id="2" name="Footer Placeholder 1">
-            <a:extLst>
-              <a:ext uri="{FF2B5EF4-FFF2-40B4-BE49-F238E27FC236}">
-                <a16:creationId xmlns:a16="http://schemas.microsoft.com/office/drawing/2014/main" id="{DE823308-7EC8-D90F-E456-4EA125E1E008}"/>
+          <p:cNvPr id="2" name="Title 1">
+            <a:extLst>
+              <a:ext uri="{FF2B5EF4-FFF2-40B4-BE49-F238E27FC236}">
+                <a16:creationId xmlns:a16="http://schemas.microsoft.com/office/drawing/2014/main" id="{0CDF3ADA-5C7A-F543-921F-69484B90BBD8}"/>
               </a:ext>
             </a:extLst>
           </p:cNvPr>
@@ -18989,85 +19046,30 @@
             <a:spLocks noGrp="1"/>
           </p:cNvSpPr>
           <p:nvPr>
-            <p:ph type="ftr" sz="quarter" idx="11"/>
+            <p:ph type="ctrTitle"/>
           </p:nvPr>
         </p:nvSpPr>
-        <p:spPr/>
+        <p:spPr>
+          <a:xfrm>
+            <a:off x="1700980" y="1862819"/>
+            <a:ext cx="9144000" cy="1069848"/>
+          </a:xfrm>
+        </p:spPr>
         <p:txBody>
           <a:bodyPr/>
           <a:lstStyle/>
           <a:p>
             <a:r>
-              <a:rPr lang="en-US"/>
-              <a:t>Crypto: investing &amp; trading</a:t>
-            </a:r>
-            <a:endParaRPr lang="en-US" dirty="0"/>
-          </a:p>
-        </p:txBody>
-      </p:sp>
-      <p:sp>
-        <p:nvSpPr>
-          <p:cNvPr id="3" name="Slide Number Placeholder 2">
-            <a:extLst>
-              <a:ext uri="{FF2B5EF4-FFF2-40B4-BE49-F238E27FC236}">
-                <a16:creationId xmlns:a16="http://schemas.microsoft.com/office/drawing/2014/main" id="{F340FAED-CFFF-4CD7-D071-9BEBC7854510}"/>
-              </a:ext>
-            </a:extLst>
-          </p:cNvPr>
-          <p:cNvSpPr>
-            <a:spLocks noGrp="1"/>
-          </p:cNvSpPr>
-          <p:nvPr>
-            <p:ph type="sldNum" sz="quarter" idx="12"/>
-          </p:nvPr>
-        </p:nvSpPr>
-        <p:spPr/>
-        <p:txBody>
-          <a:bodyPr/>
-          <a:lstStyle/>
-          <a:p>
-            <a:fld id="{294A09A9-5501-47C1-A89A-A340965A2BE2}" type="slidenum">
-              <a:rPr lang="en-US" smtClean="0"/>
-              <a:t>22</a:t>
-            </a:fld>
-            <a:endParaRPr lang="en-US" dirty="0"/>
-          </a:p>
-        </p:txBody>
-      </p:sp>
-      <p:pic>
-        <p:nvPicPr>
-          <p:cNvPr id="5" name="Picture 4">
-            <a:extLst>
-              <a:ext uri="{FF2B5EF4-FFF2-40B4-BE49-F238E27FC236}">
-                <a16:creationId xmlns:a16="http://schemas.microsoft.com/office/drawing/2014/main" id="{81D56E9C-B910-E36B-52D6-A152CAAE2B3D}"/>
-              </a:ext>
-            </a:extLst>
-          </p:cNvPr>
-          <p:cNvPicPr>
-            <a:picLocks noChangeAspect="1"/>
-          </p:cNvPicPr>
-          <p:nvPr/>
-        </p:nvPicPr>
-        <p:blipFill>
-          <a:blip r:embed="rId2"/>
-          <a:stretch>
-            <a:fillRect/>
-          </a:stretch>
-        </p:blipFill>
-        <p:spPr>
-          <a:xfrm>
-            <a:off x="850392" y="566928"/>
-            <a:ext cx="10317015" cy="5391902"/>
-          </a:xfrm>
-          <a:prstGeom prst="rect">
-            <a:avLst/>
-          </a:prstGeom>
-        </p:spPr>
-      </p:pic>
+              <a:rPr lang="en-US" dirty="0"/>
+              <a:t>Program output</a:t>
+            </a:r>
+          </a:p>
+        </p:txBody>
+      </p:sp>
     </p:spTree>
     <p:extLst>
       <p:ext uri="{BB962C8B-B14F-4D97-AF65-F5344CB8AC3E}">
-        <p14:creationId xmlns:p14="http://schemas.microsoft.com/office/powerpoint/2010/main" val="2413272842"/>
+        <p14:creationId xmlns:p14="http://schemas.microsoft.com/office/powerpoint/2010/main" val="3457986295"/>
       </p:ext>
     </p:extLst>
   </p:cSld>
@@ -19096,69 +19098,6 @@
       </p:grpSpPr>
       <p:sp>
         <p:nvSpPr>
-          <p:cNvPr id="2" name="Title 1">
-            <a:extLst>
-              <a:ext uri="{FF2B5EF4-FFF2-40B4-BE49-F238E27FC236}">
-                <a16:creationId xmlns:a16="http://schemas.microsoft.com/office/drawing/2014/main" id="{0CDF3ADA-5C7A-F543-921F-69484B90BBD8}"/>
-              </a:ext>
-            </a:extLst>
-          </p:cNvPr>
-          <p:cNvSpPr>
-            <a:spLocks noGrp="1"/>
-          </p:cNvSpPr>
-          <p:nvPr>
-            <p:ph type="ctrTitle"/>
-          </p:nvPr>
-        </p:nvSpPr>
-        <p:spPr>
-          <a:xfrm>
-            <a:off x="1700980" y="1862819"/>
-            <a:ext cx="9144000" cy="1069848"/>
-          </a:xfrm>
-        </p:spPr>
-        <p:txBody>
-          <a:bodyPr/>
-          <a:lstStyle/>
-          <a:p>
-            <a:r>
-              <a:rPr lang="en-US" dirty="0"/>
-              <a:t>Program output</a:t>
-            </a:r>
-          </a:p>
-        </p:txBody>
-      </p:sp>
-    </p:spTree>
-    <p:extLst>
-      <p:ext uri="{BB962C8B-B14F-4D97-AF65-F5344CB8AC3E}">
-        <p14:creationId xmlns:p14="http://schemas.microsoft.com/office/powerpoint/2010/main" val="3457986295"/>
-      </p:ext>
-    </p:extLst>
-  </p:cSld>
-  <p:clrMapOvr>
-    <a:masterClrMapping/>
-  </p:clrMapOvr>
-</p:sld>
-</file>
-
-<file path=ppt/slides/slide24.xml><?xml version="1.0" encoding="utf-8"?>
-<p:sld xmlns:a="http://schemas.openxmlformats.org/drawingml/2006/main" xmlns:r="http://schemas.openxmlformats.org/officeDocument/2006/relationships" xmlns:p="http://schemas.openxmlformats.org/presentationml/2006/main">
-  <p:cSld>
-    <p:spTree>
-      <p:nvGrpSpPr>
-        <p:cNvPr id="1" name=""/>
-        <p:cNvGrpSpPr/>
-        <p:nvPr/>
-      </p:nvGrpSpPr>
-      <p:grpSpPr>
-        <a:xfrm>
-          <a:off x="0" y="0"/>
-          <a:ext cx="0" cy="0"/>
-          <a:chOff x="0" y="0"/>
-          <a:chExt cx="0" cy="0"/>
-        </a:xfrm>
-      </p:grpSpPr>
-      <p:sp>
-        <p:nvSpPr>
           <p:cNvPr id="2" name="Footer Placeholder 1">
             <a:extLst>
               <a:ext uri="{FF2B5EF4-FFF2-40B4-BE49-F238E27FC236}">
@@ -19209,7 +19148,7 @@
           <a:p>
             <a:fld id="{294A09A9-5501-47C1-A89A-A340965A2BE2}" type="slidenum">
               <a:rPr lang="en-US" smtClean="0"/>
-              <a:t>24</a:t>
+              <a:t>23</a:t>
             </a:fld>
             <a:endParaRPr lang="en-US" dirty="0"/>
           </a:p>
@@ -19258,7 +19197,7 @@
 </p:sld>
 </file>
 
-<file path=ppt/slides/slide25.xml><?xml version="1.0" encoding="utf-8"?>
+<file path=ppt/slides/slide24.xml><?xml version="1.0" encoding="utf-8"?>
 <p:sld xmlns:a="http://schemas.openxmlformats.org/drawingml/2006/main" xmlns:r="http://schemas.openxmlformats.org/officeDocument/2006/relationships" xmlns:p="http://schemas.openxmlformats.org/presentationml/2006/main">
   <p:cSld>
     <p:spTree>
@@ -21171,35 +21110,6 @@
 </file>
 
 <file path=customXml/item1.xml><?xml version="1.0" encoding="utf-8"?>
-<?mso-contentType ?>
-<FormTemplates xmlns="http://schemas.microsoft.com/sharepoint/v3/contenttype/forms">
-  <Display>DocumentLibraryForm</Display>
-  <Edit>DocumentLibraryForm</Edit>
-  <New>DocumentLibraryForm</New>
-</FormTemplates>
-</file>
-
-<file path=customXml/item2.xml><?xml version="1.0" encoding="utf-8"?>
-<p:properties xmlns:p="http://schemas.microsoft.com/office/2006/metadata/properties" xmlns:xsi="http://www.w3.org/2001/XMLSchema-instance" xmlns:pc="http://schemas.microsoft.com/office/infopath/2007/PartnerControls">
-  <documentManagement>
-    <_ip_UnifiedCompliancePolicyUIAction xmlns="http://schemas.microsoft.com/sharepoint/v3" xsi:nil="true"/>
-    <Image xmlns="71af3243-3dd4-4a8d-8c0d-dd76da1f02a5">
-      <Url xsi:nil="true"/>
-      <Description xsi:nil="true"/>
-    </Image>
-    <Status xmlns="71af3243-3dd4-4a8d-8c0d-dd76da1f02a5">Not started</Status>
-    <Background xmlns="71af3243-3dd4-4a8d-8c0d-dd76da1f02a5">false</Background>
-    <_ip_UnifiedCompliancePolicyProperties xmlns="http://schemas.microsoft.com/sharepoint/v3" xsi:nil="true"/>
-    <ImageTagsTaxHTField xmlns="71af3243-3dd4-4a8d-8c0d-dd76da1f02a5">
-      <Terms xmlns="http://schemas.microsoft.com/office/infopath/2007/PartnerControls"/>
-    </ImageTagsTaxHTField>
-    <TaxCatchAll xmlns="230e9df3-be65-4c73-a93b-d1236ebd677e" xsi:nil="true"/>
-    <MediaServiceKeyPoints xmlns="71af3243-3dd4-4a8d-8c0d-dd76da1f02a5" xsi:nil="true"/>
-  </documentManagement>
-</p:properties>
-</file>
-
-<file path=customXml/item3.xml><?xml version="1.0" encoding="utf-8"?>
 <ct:contentTypeSchema xmlns:ct="http://schemas.microsoft.com/office/2006/metadata/contentType" xmlns:ma="http://schemas.microsoft.com/office/2006/metadata/properties/metaAttributes" ct:_="" ma:_="" ma:contentTypeName="Document" ma:contentTypeID="0x01010079F111ED35F8CC479449609E8A0923A6" ma:contentTypeVersion="25" ma:contentTypeDescription="Create a new document." ma:contentTypeScope="" ma:versionID="e02306daf00165b375dc6a58966960be">
   <xsd:schema xmlns:xsd="http://www.w3.org/2001/XMLSchema" xmlns:xs="http://www.w3.org/2001/XMLSchema" xmlns:p="http://schemas.microsoft.com/office/2006/metadata/properties" xmlns:ns1="http://schemas.microsoft.com/sharepoint/v3" xmlns:ns2="71af3243-3dd4-4a8d-8c0d-dd76da1f02a5" xmlns:ns3="16c05727-aa75-4e4a-9b5f-8a80a1165891" xmlns:ns4="230e9df3-be65-4c73-a93b-d1236ebd677e" targetNamespace="http://schemas.microsoft.com/office/2006/metadata/properties" ma:root="true" ma:fieldsID="df88fb76bf5f555224557953949c1ec9" ns1:_="" ns2:_="" ns3:_="" ns4:_="">
     <xsd:import namespace="http://schemas.microsoft.com/sharepoint/v3"/>
@@ -21493,27 +21403,36 @@
 </ct:contentTypeSchema>
 </file>
 
-<file path=customXml/itemProps1.xml><?xml version="1.0" encoding="utf-8"?>
-<ds:datastoreItem xmlns:ds="http://schemas.openxmlformats.org/officeDocument/2006/customXml" ds:itemID="{4F1F1912-3146-44AF-A389-9E8B77BB3688}">
-  <ds:schemaRefs>
-    <ds:schemaRef ds:uri="http://schemas.microsoft.com/sharepoint/v3/contenttype/forms"/>
-  </ds:schemaRefs>
-</ds:datastoreItem>
+<file path=customXml/item2.xml><?xml version="1.0" encoding="utf-8"?>
+<p:properties xmlns:p="http://schemas.microsoft.com/office/2006/metadata/properties" xmlns:xsi="http://www.w3.org/2001/XMLSchema-instance" xmlns:pc="http://schemas.microsoft.com/office/infopath/2007/PartnerControls">
+  <documentManagement>
+    <_ip_UnifiedCompliancePolicyUIAction xmlns="http://schemas.microsoft.com/sharepoint/v3" xsi:nil="true"/>
+    <Image xmlns="71af3243-3dd4-4a8d-8c0d-dd76da1f02a5">
+      <Url xsi:nil="true"/>
+      <Description xsi:nil="true"/>
+    </Image>
+    <Status xmlns="71af3243-3dd4-4a8d-8c0d-dd76da1f02a5">Not started</Status>
+    <Background xmlns="71af3243-3dd4-4a8d-8c0d-dd76da1f02a5">false</Background>
+    <_ip_UnifiedCompliancePolicyProperties xmlns="http://schemas.microsoft.com/sharepoint/v3" xsi:nil="true"/>
+    <ImageTagsTaxHTField xmlns="71af3243-3dd4-4a8d-8c0d-dd76da1f02a5">
+      <Terms xmlns="http://schemas.microsoft.com/office/infopath/2007/PartnerControls"/>
+    </ImageTagsTaxHTField>
+    <TaxCatchAll xmlns="230e9df3-be65-4c73-a93b-d1236ebd677e" xsi:nil="true"/>
+    <MediaServiceKeyPoints xmlns="71af3243-3dd4-4a8d-8c0d-dd76da1f02a5" xsi:nil="true"/>
+  </documentManagement>
+</p:properties>
 </file>
 
-<file path=customXml/itemProps2.xml><?xml version="1.0" encoding="utf-8"?>
-<ds:datastoreItem xmlns:ds="http://schemas.openxmlformats.org/officeDocument/2006/customXml" ds:itemID="{F8B8ECF1-2A9D-464C-AFE8-2B3295D0BF97}">
-  <ds:schemaRefs>
-    <ds:schemaRef ds:uri="http://schemas.microsoft.com/office/2006/metadata/properties"/>
-    <ds:schemaRef ds:uri="http://schemas.microsoft.com/office/infopath/2007/PartnerControls"/>
-    <ds:schemaRef ds:uri="http://schemas.microsoft.com/sharepoint/v3"/>
-    <ds:schemaRef ds:uri="71af3243-3dd4-4a8d-8c0d-dd76da1f02a5"/>
-    <ds:schemaRef ds:uri="230e9df3-be65-4c73-a93b-d1236ebd677e"/>
-  </ds:schemaRefs>
-</ds:datastoreItem>
+<file path=customXml/item3.xml><?xml version="1.0" encoding="utf-8"?>
+<?mso-contentType ?>
+<FormTemplates xmlns="http://schemas.microsoft.com/sharepoint/v3/contenttype/forms">
+  <Display>DocumentLibraryForm</Display>
+  <Edit>DocumentLibraryForm</Edit>
+  <New>DocumentLibraryForm</New>
+</FormTemplates>
 </file>
 
-<file path=customXml/itemProps3.xml><?xml version="1.0" encoding="utf-8"?>
+<file path=customXml/itemProps1.xml><?xml version="1.0" encoding="utf-8"?>
 <ds:datastoreItem xmlns:ds="http://schemas.openxmlformats.org/officeDocument/2006/customXml" ds:itemID="{176493A3-2B83-4E58-86AD-56A2F2A20F12}">
   <ds:schemaRefs>
     <ds:schemaRef ds:uri="http://schemas.microsoft.com/office/2006/metadata/contentType"/>
@@ -21534,6 +21453,26 @@
 </ds:datastoreItem>
 </file>
 
+<file path=customXml/itemProps2.xml><?xml version="1.0" encoding="utf-8"?>
+<ds:datastoreItem xmlns:ds="http://schemas.openxmlformats.org/officeDocument/2006/customXml" ds:itemID="{F8B8ECF1-2A9D-464C-AFE8-2B3295D0BF97}">
+  <ds:schemaRefs>
+    <ds:schemaRef ds:uri="http://schemas.microsoft.com/office/2006/metadata/properties"/>
+    <ds:schemaRef ds:uri="http://schemas.microsoft.com/office/infopath/2007/PartnerControls"/>
+    <ds:schemaRef ds:uri="http://schemas.microsoft.com/sharepoint/v3"/>
+    <ds:schemaRef ds:uri="71af3243-3dd4-4a8d-8c0d-dd76da1f02a5"/>
+    <ds:schemaRef ds:uri="230e9df3-be65-4c73-a93b-d1236ebd677e"/>
+  </ds:schemaRefs>
+</ds:datastoreItem>
+</file>
+
+<file path=customXml/itemProps3.xml><?xml version="1.0" encoding="utf-8"?>
+<ds:datastoreItem xmlns:ds="http://schemas.openxmlformats.org/officeDocument/2006/customXml" ds:itemID="{4F1F1912-3146-44AF-A389-9E8B77BB3688}">
+  <ds:schemaRefs>
+    <ds:schemaRef ds:uri="http://schemas.microsoft.com/sharepoint/v3/contenttype/forms"/>
+  </ds:schemaRefs>
+</ds:datastoreItem>
+</file>
+
 <file path=docMetadata/LabelInfo.xml><?xml version="1.0" encoding="utf-8"?>
 <clbl:labelList xmlns:clbl="http://schemas.microsoft.com/office/2020/mipLabelMetadata"/>
 </file>